--- a/assets/img/vision/concept/ransac/ransac.pptx
+++ b/assets/img/vision/concept/ransac/ransac.pptx
@@ -6,12 +6,13 @@
   </p:sldMasterIdLst>
   <p:sldIdLst>
     <p:sldId id="265" r:id="rId2"/>
-    <p:sldId id="259" r:id="rId3"/>
-    <p:sldId id="260" r:id="rId4"/>
-    <p:sldId id="262" r:id="rId5"/>
-    <p:sldId id="263" r:id="rId6"/>
-    <p:sldId id="261" r:id="rId7"/>
-    <p:sldId id="264" r:id="rId8"/>
+    <p:sldId id="266" r:id="rId3"/>
+    <p:sldId id="259" r:id="rId4"/>
+    <p:sldId id="260" r:id="rId5"/>
+    <p:sldId id="262" r:id="rId6"/>
+    <p:sldId id="263" r:id="rId7"/>
+    <p:sldId id="261" r:id="rId8"/>
+    <p:sldId id="264" r:id="rId9"/>
   </p:sldIdLst>
   <p:sldSz cx="12192000" cy="6858000"/>
   <p:notesSz cx="6858000" cy="9144000"/>
@@ -113,7 +114,7 @@
   <p:extLst>
     <p:ext uri="{EFAFB233-063F-42B5-8137-9DF3F51BA10A}">
       <p15:sldGuideLst xmlns:p15="http://schemas.microsoft.com/office/powerpoint/2012/main">
-        <p15:guide id="1" orient="horz" pos="2160" userDrawn="1">
+        <p15:guide id="1" orient="horz" pos="2115" userDrawn="1">
           <p15:clr>
             <a:srgbClr val="A4A3A4"/>
           </p15:clr>
@@ -276,7 +277,7 @@
           <a:p>
             <a:fld id="{DD185352-A77C-4634-9073-FC19B359A977}" type="datetimeFigureOut">
               <a:rPr lang="ko-KR" altLang="en-US" smtClean="0"/>
-              <a:t>2023-09-22</a:t>
+              <a:t>2023-10-02</a:t>
             </a:fld>
             <a:endParaRPr lang="ko-KR" altLang="en-US"/>
           </a:p>
@@ -474,7 +475,7 @@
           <a:p>
             <a:fld id="{DD185352-A77C-4634-9073-FC19B359A977}" type="datetimeFigureOut">
               <a:rPr lang="ko-KR" altLang="en-US" smtClean="0"/>
-              <a:t>2023-09-22</a:t>
+              <a:t>2023-10-02</a:t>
             </a:fld>
             <a:endParaRPr lang="ko-KR" altLang="en-US"/>
           </a:p>
@@ -682,7 +683,7 @@
           <a:p>
             <a:fld id="{DD185352-A77C-4634-9073-FC19B359A977}" type="datetimeFigureOut">
               <a:rPr lang="ko-KR" altLang="en-US" smtClean="0"/>
-              <a:t>2023-09-22</a:t>
+              <a:t>2023-10-02</a:t>
             </a:fld>
             <a:endParaRPr lang="ko-KR" altLang="en-US"/>
           </a:p>
@@ -880,7 +881,7 @@
           <a:p>
             <a:fld id="{DD185352-A77C-4634-9073-FC19B359A977}" type="datetimeFigureOut">
               <a:rPr lang="ko-KR" altLang="en-US" smtClean="0"/>
-              <a:t>2023-09-22</a:t>
+              <a:t>2023-10-02</a:t>
             </a:fld>
             <a:endParaRPr lang="ko-KR" altLang="en-US"/>
           </a:p>
@@ -1155,7 +1156,7 @@
           <a:p>
             <a:fld id="{DD185352-A77C-4634-9073-FC19B359A977}" type="datetimeFigureOut">
               <a:rPr lang="ko-KR" altLang="en-US" smtClean="0"/>
-              <a:t>2023-09-22</a:t>
+              <a:t>2023-10-02</a:t>
             </a:fld>
             <a:endParaRPr lang="ko-KR" altLang="en-US"/>
           </a:p>
@@ -1420,7 +1421,7 @@
           <a:p>
             <a:fld id="{DD185352-A77C-4634-9073-FC19B359A977}" type="datetimeFigureOut">
               <a:rPr lang="ko-KR" altLang="en-US" smtClean="0"/>
-              <a:t>2023-09-22</a:t>
+              <a:t>2023-10-02</a:t>
             </a:fld>
             <a:endParaRPr lang="ko-KR" altLang="en-US"/>
           </a:p>
@@ -1832,7 +1833,7 @@
           <a:p>
             <a:fld id="{DD185352-A77C-4634-9073-FC19B359A977}" type="datetimeFigureOut">
               <a:rPr lang="ko-KR" altLang="en-US" smtClean="0"/>
-              <a:t>2023-09-22</a:t>
+              <a:t>2023-10-02</a:t>
             </a:fld>
             <a:endParaRPr lang="ko-KR" altLang="en-US"/>
           </a:p>
@@ -1973,7 +1974,7 @@
           <a:p>
             <a:fld id="{DD185352-A77C-4634-9073-FC19B359A977}" type="datetimeFigureOut">
               <a:rPr lang="ko-KR" altLang="en-US" smtClean="0"/>
-              <a:t>2023-09-22</a:t>
+              <a:t>2023-10-02</a:t>
             </a:fld>
             <a:endParaRPr lang="ko-KR" altLang="en-US"/>
           </a:p>
@@ -2086,7 +2087,7 @@
           <a:p>
             <a:fld id="{DD185352-A77C-4634-9073-FC19B359A977}" type="datetimeFigureOut">
               <a:rPr lang="ko-KR" altLang="en-US" smtClean="0"/>
-              <a:t>2023-09-22</a:t>
+              <a:t>2023-10-02</a:t>
             </a:fld>
             <a:endParaRPr lang="ko-KR" altLang="en-US"/>
           </a:p>
@@ -2397,7 +2398,7 @@
           <a:p>
             <a:fld id="{DD185352-A77C-4634-9073-FC19B359A977}" type="datetimeFigureOut">
               <a:rPr lang="ko-KR" altLang="en-US" smtClean="0"/>
-              <a:t>2023-09-22</a:t>
+              <a:t>2023-10-02</a:t>
             </a:fld>
             <a:endParaRPr lang="ko-KR" altLang="en-US"/>
           </a:p>
@@ -2685,7 +2686,7 @@
           <a:p>
             <a:fld id="{DD185352-A77C-4634-9073-FC19B359A977}" type="datetimeFigureOut">
               <a:rPr lang="ko-KR" altLang="en-US" smtClean="0"/>
-              <a:t>2023-09-22</a:t>
+              <a:t>2023-10-02</a:t>
             </a:fld>
             <a:endParaRPr lang="ko-KR" altLang="en-US"/>
           </a:p>
@@ -2926,7 +2927,7 @@
           <a:p>
             <a:fld id="{DD185352-A77C-4634-9073-FC19B359A977}" type="datetimeFigureOut">
               <a:rPr lang="ko-KR" altLang="en-US" smtClean="0"/>
-              <a:t>2023-09-22</a:t>
+              <a:t>2023-10-02</a:t>
             </a:fld>
             <a:endParaRPr lang="ko-KR" altLang="en-US"/>
           </a:p>
@@ -3381,7 +3382,7 @@
         </p:blipFill>
         <p:spPr bwMode="auto">
           <a:xfrm>
-            <a:off x="2127250" y="820738"/>
+            <a:off x="1268456" y="839274"/>
             <a:ext cx="3238500" cy="4848225"/>
           </a:xfrm>
           <a:prstGeom prst="rect">
@@ -3413,6 +3414,2907 @@
 </file>
 
 <file path=ppt/slides/slide2.xml><?xml version="1.0" encoding="utf-8"?>
+<p:sld xmlns:a="http://schemas.openxmlformats.org/drawingml/2006/main" xmlns:r="http://schemas.openxmlformats.org/officeDocument/2006/relationships" xmlns:p="http://schemas.openxmlformats.org/presentationml/2006/main">
+  <p:cSld>
+    <p:spTree>
+      <p:nvGrpSpPr>
+        <p:cNvPr id="1" name=""/>
+        <p:cNvGrpSpPr/>
+        <p:nvPr/>
+      </p:nvGrpSpPr>
+      <p:grpSpPr>
+        <a:xfrm>
+          <a:off x="0" y="0"/>
+          <a:ext cx="0" cy="0"/>
+          <a:chOff x="0" y="0"/>
+          <a:chExt cx="0" cy="0"/>
+        </a:xfrm>
+      </p:grpSpPr>
+      <p:grpSp>
+        <p:nvGrpSpPr>
+          <p:cNvPr id="23" name="그룹 22">
+            <a:extLst>
+              <a:ext uri="{FF2B5EF4-FFF2-40B4-BE49-F238E27FC236}">
+                <a16:creationId xmlns:a16="http://schemas.microsoft.com/office/drawing/2014/main" id="{BDB5245E-2724-BF5E-015E-AB7645551B7A}"/>
+              </a:ext>
+            </a:extLst>
+          </p:cNvPr>
+          <p:cNvGrpSpPr/>
+          <p:nvPr/>
+        </p:nvGrpSpPr>
+        <p:grpSpPr>
+          <a:xfrm>
+            <a:off x="516182" y="788306"/>
+            <a:ext cx="3322456" cy="4848902"/>
+            <a:chOff x="1782749" y="1004549"/>
+            <a:chExt cx="3322456" cy="4848902"/>
+          </a:xfrm>
+        </p:grpSpPr>
+        <p:pic>
+          <p:nvPicPr>
+            <p:cNvPr id="5" name="그림 4" descr="텍스트, 도표, 스케치이(가) 표시된 사진&#10;&#10;자동 생성된 설명">
+              <a:extLst>
+                <a:ext uri="{FF2B5EF4-FFF2-40B4-BE49-F238E27FC236}">
+                  <a16:creationId xmlns:a16="http://schemas.microsoft.com/office/drawing/2014/main" id="{9CD52F92-B05F-B43E-5A78-C5399AC2EB05}"/>
+                </a:ext>
+              </a:extLst>
+            </p:cNvPr>
+            <p:cNvPicPr>
+              <a:picLocks noChangeAspect="1"/>
+            </p:cNvPicPr>
+            <p:nvPr/>
+          </p:nvPicPr>
+          <p:blipFill>
+            <a:blip r:embed="rId2">
+              <a:extLst>
+                <a:ext uri="{28A0092B-C50C-407E-A947-70E740481C1C}">
+                  <a14:useLocalDpi xmlns:a14="http://schemas.microsoft.com/office/drawing/2010/main" val="0"/>
+                </a:ext>
+              </a:extLst>
+            </a:blip>
+            <a:stretch>
+              <a:fillRect/>
+            </a:stretch>
+          </p:blipFill>
+          <p:spPr>
+            <a:xfrm>
+              <a:off x="1782749" y="1004549"/>
+              <a:ext cx="3238952" cy="4848902"/>
+            </a:xfrm>
+            <a:prstGeom prst="rect">
+              <a:avLst/>
+            </a:prstGeom>
+          </p:spPr>
+        </p:pic>
+        <p:sp>
+          <p:nvSpPr>
+            <p:cNvPr id="8" name="TextBox 7">
+              <a:extLst>
+                <a:ext uri="{FF2B5EF4-FFF2-40B4-BE49-F238E27FC236}">
+                  <a16:creationId xmlns:a16="http://schemas.microsoft.com/office/drawing/2014/main" id="{9CCB5A1D-6E82-8FE8-A7A5-A7FDA7BAD05C}"/>
+                </a:ext>
+              </a:extLst>
+            </p:cNvPr>
+            <p:cNvSpPr txBox="1"/>
+            <p:nvPr/>
+          </p:nvSpPr>
+          <p:spPr>
+            <a:xfrm>
+              <a:off x="3735526" y="2113009"/>
+              <a:ext cx="1179316" cy="432483"/>
+            </a:xfrm>
+            <a:prstGeom prst="rect">
+              <a:avLst/>
+            </a:prstGeom>
+            <a:noFill/>
+            <a:ln>
+              <a:solidFill>
+                <a:schemeClr val="tx1"/>
+              </a:solidFill>
+            </a:ln>
+          </p:spPr>
+          <p:txBody>
+            <a:bodyPr wrap="square" rtlCol="0">
+              <a:spAutoFit/>
+            </a:bodyPr>
+            <a:lstStyle/>
+            <a:p>
+              <a:pPr algn="ctr"/>
+              <a:endParaRPr lang="en-US" altLang="ko-KR" sz="500" dirty="0"/>
+            </a:p>
+            <a:p>
+              <a:pPr algn="ctr"/>
+              <a:r>
+                <a:rPr lang="en-US" altLang="ko-KR" sz="1200" dirty="0"/>
+                <a:t>Pick inliers</a:t>
+              </a:r>
+            </a:p>
+            <a:p>
+              <a:pPr algn="ctr"/>
+              <a:endParaRPr lang="ko-KR" altLang="en-US" sz="500" dirty="0"/>
+            </a:p>
+          </p:txBody>
+        </p:sp>
+        <p:cxnSp>
+          <p:nvCxnSpPr>
+            <p:cNvPr id="10" name="직선 화살표 연결선 9">
+              <a:extLst>
+                <a:ext uri="{FF2B5EF4-FFF2-40B4-BE49-F238E27FC236}">
+                  <a16:creationId xmlns:a16="http://schemas.microsoft.com/office/drawing/2014/main" id="{00EE9AA5-F802-9826-1F00-216761B4A123}"/>
+                </a:ext>
+              </a:extLst>
+            </p:cNvPr>
+            <p:cNvCxnSpPr>
+              <a:cxnSpLocks/>
+              <a:endCxn id="8" idx="1"/>
+            </p:cNvCxnSpPr>
+            <p:nvPr/>
+          </p:nvCxnSpPr>
+          <p:spPr>
+            <a:xfrm flipV="1">
+              <a:off x="3305432" y="2329251"/>
+              <a:ext cx="430094" cy="347046"/>
+            </a:xfrm>
+            <a:prstGeom prst="straightConnector1">
+              <a:avLst/>
+            </a:prstGeom>
+            <a:ln w="19050">
+              <a:tailEnd type="triangle"/>
+            </a:ln>
+          </p:spPr>
+          <p:style>
+            <a:lnRef idx="1">
+              <a:schemeClr val="dk1"/>
+            </a:lnRef>
+            <a:fillRef idx="0">
+              <a:schemeClr val="dk1"/>
+            </a:fillRef>
+            <a:effectRef idx="0">
+              <a:schemeClr val="dk1"/>
+            </a:effectRef>
+            <a:fontRef idx="minor">
+              <a:schemeClr val="tx1"/>
+            </a:fontRef>
+          </p:style>
+        </p:cxnSp>
+        <p:cxnSp>
+          <p:nvCxnSpPr>
+            <p:cNvPr id="11" name="직선 화살표 연결선 10">
+              <a:extLst>
+                <a:ext uri="{FF2B5EF4-FFF2-40B4-BE49-F238E27FC236}">
+                  <a16:creationId xmlns:a16="http://schemas.microsoft.com/office/drawing/2014/main" id="{2062A015-F7DB-3FFE-4B9A-2887C0DB010E}"/>
+                </a:ext>
+              </a:extLst>
+            </p:cNvPr>
+            <p:cNvCxnSpPr>
+              <a:cxnSpLocks/>
+              <a:stCxn id="8" idx="1"/>
+            </p:cNvCxnSpPr>
+            <p:nvPr/>
+          </p:nvCxnSpPr>
+          <p:spPr>
+            <a:xfrm flipH="1" flipV="1">
+              <a:off x="3305432" y="1950775"/>
+              <a:ext cx="430094" cy="378476"/>
+            </a:xfrm>
+            <a:prstGeom prst="straightConnector1">
+              <a:avLst/>
+            </a:prstGeom>
+            <a:ln w="19050">
+              <a:tailEnd type="triangle"/>
+            </a:ln>
+          </p:spPr>
+          <p:style>
+            <a:lnRef idx="1">
+              <a:schemeClr val="dk1"/>
+            </a:lnRef>
+            <a:fillRef idx="0">
+              <a:schemeClr val="dk1"/>
+            </a:fillRef>
+            <a:effectRef idx="0">
+              <a:schemeClr val="dk1"/>
+            </a:effectRef>
+            <a:fontRef idx="minor">
+              <a:schemeClr val="tx1"/>
+            </a:fontRef>
+          </p:style>
+        </p:cxnSp>
+        <p:sp>
+          <p:nvSpPr>
+            <p:cNvPr id="18" name="TextBox 17">
+              <a:extLst>
+                <a:ext uri="{FF2B5EF4-FFF2-40B4-BE49-F238E27FC236}">
+                  <a16:creationId xmlns:a16="http://schemas.microsoft.com/office/drawing/2014/main" id="{BD1F73BC-B43D-682F-2D2F-BE7A708FFFAE}"/>
+                </a:ext>
+              </a:extLst>
+            </p:cNvPr>
+            <p:cNvSpPr txBox="1"/>
+            <p:nvPr/>
+          </p:nvSpPr>
+          <p:spPr>
+            <a:xfrm>
+              <a:off x="3545163" y="2545492"/>
+              <a:ext cx="1560042" cy="261610"/>
+            </a:xfrm>
+            <a:prstGeom prst="rect">
+              <a:avLst/>
+            </a:prstGeom>
+            <a:noFill/>
+          </p:spPr>
+          <p:txBody>
+            <a:bodyPr wrap="none" rtlCol="0">
+              <a:spAutoFit/>
+            </a:bodyPr>
+            <a:lstStyle/>
+            <a:p>
+              <a:r>
+                <a:rPr lang="en-US" altLang="ko-KR" sz="1100" dirty="0"/>
+                <a:t>M recursive iterations</a:t>
+              </a:r>
+              <a:endParaRPr lang="ko-KR" altLang="en-US" sz="1100" dirty="0"/>
+            </a:p>
+          </p:txBody>
+        </p:sp>
+        <p:sp>
+          <p:nvSpPr>
+            <p:cNvPr id="21" name="TextBox 20">
+              <a:extLst>
+                <a:ext uri="{FF2B5EF4-FFF2-40B4-BE49-F238E27FC236}">
+                  <a16:creationId xmlns:a16="http://schemas.microsoft.com/office/drawing/2014/main" id="{A44D6665-ADED-29B7-8401-1AF9BA256F18}"/>
+                </a:ext>
+              </a:extLst>
+            </p:cNvPr>
+            <p:cNvSpPr txBox="1"/>
+            <p:nvPr/>
+          </p:nvSpPr>
+          <p:spPr>
+            <a:xfrm>
+              <a:off x="2811485" y="2904894"/>
+              <a:ext cx="1920719" cy="261610"/>
+            </a:xfrm>
+            <a:prstGeom prst="rect">
+              <a:avLst/>
+            </a:prstGeom>
+            <a:noFill/>
+          </p:spPr>
+          <p:txBody>
+            <a:bodyPr wrap="none" rtlCol="0">
+              <a:spAutoFit/>
+            </a:bodyPr>
+            <a:lstStyle/>
+            <a:p>
+              <a:r>
+                <a:rPr lang="en-US" altLang="ko-KR" sz="1100" dirty="0"/>
+                <a:t>After M recursive iterations</a:t>
+              </a:r>
+              <a:endParaRPr lang="ko-KR" altLang="en-US" sz="1100" dirty="0"/>
+            </a:p>
+          </p:txBody>
+        </p:sp>
+        <p:sp>
+          <p:nvSpPr>
+            <p:cNvPr id="22" name="직사각형 21">
+              <a:extLst>
+                <a:ext uri="{FF2B5EF4-FFF2-40B4-BE49-F238E27FC236}">
+                  <a16:creationId xmlns:a16="http://schemas.microsoft.com/office/drawing/2014/main" id="{DC9F51D2-99E2-E3DA-E26C-82FF0CB5480A}"/>
+                </a:ext>
+              </a:extLst>
+            </p:cNvPr>
+            <p:cNvSpPr/>
+            <p:nvPr/>
+          </p:nvSpPr>
+          <p:spPr>
+            <a:xfrm>
+              <a:off x="2224215" y="1699895"/>
+              <a:ext cx="2809842" cy="1252525"/>
+            </a:xfrm>
+            <a:prstGeom prst="rect">
+              <a:avLst/>
+            </a:prstGeom>
+            <a:noFill/>
+            <a:ln>
+              <a:solidFill>
+                <a:srgbClr val="FF0000"/>
+              </a:solidFill>
+            </a:ln>
+          </p:spPr>
+          <p:style>
+            <a:lnRef idx="2">
+              <a:schemeClr val="accent1">
+                <a:shade val="15000"/>
+              </a:schemeClr>
+            </a:lnRef>
+            <a:fillRef idx="1">
+              <a:schemeClr val="accent1"/>
+            </a:fillRef>
+            <a:effectRef idx="0">
+              <a:schemeClr val="accent1"/>
+            </a:effectRef>
+            <a:fontRef idx="minor">
+              <a:schemeClr val="lt1"/>
+            </a:fontRef>
+          </p:style>
+          <p:txBody>
+            <a:bodyPr rtlCol="0" anchor="ctr"/>
+            <a:lstStyle/>
+            <a:p>
+              <a:pPr algn="ctr"/>
+              <a:endParaRPr lang="ko-KR" altLang="en-US"/>
+            </a:p>
+          </p:txBody>
+        </p:sp>
+      </p:grpSp>
+      <p:grpSp>
+        <p:nvGrpSpPr>
+          <p:cNvPr id="116" name="그룹 115">
+            <a:extLst>
+              <a:ext uri="{FF2B5EF4-FFF2-40B4-BE49-F238E27FC236}">
+                <a16:creationId xmlns:a16="http://schemas.microsoft.com/office/drawing/2014/main" id="{E6031BC4-12F2-8340-B162-314CE674A9C1}"/>
+              </a:ext>
+            </a:extLst>
+          </p:cNvPr>
+          <p:cNvGrpSpPr/>
+          <p:nvPr/>
+        </p:nvGrpSpPr>
+        <p:grpSpPr>
+          <a:xfrm>
+            <a:off x="5436864" y="-1267823"/>
+            <a:ext cx="2045616" cy="9531768"/>
+            <a:chOff x="5712072" y="-992615"/>
+            <a:chExt cx="2045616" cy="9531768"/>
+          </a:xfrm>
+        </p:grpSpPr>
+        <p:sp>
+          <p:nvSpPr>
+            <p:cNvPr id="26" name="평행 사변형 25">
+              <a:extLst>
+                <a:ext uri="{FF2B5EF4-FFF2-40B4-BE49-F238E27FC236}">
+                  <a16:creationId xmlns:a16="http://schemas.microsoft.com/office/drawing/2014/main" id="{EF5F5C65-4E07-2DBD-FAEE-B224D62D4610}"/>
+                </a:ext>
+              </a:extLst>
+            </p:cNvPr>
+            <p:cNvSpPr/>
+            <p:nvPr/>
+          </p:nvSpPr>
+          <p:spPr>
+            <a:xfrm>
+              <a:off x="6304236" y="-992615"/>
+              <a:ext cx="1270455" cy="467168"/>
+            </a:xfrm>
+            <a:prstGeom prst="parallelogram">
+              <a:avLst>
+                <a:gd name="adj" fmla="val 28256"/>
+              </a:avLst>
+            </a:prstGeom>
+            <a:noFill/>
+            <a:ln>
+              <a:solidFill>
+                <a:schemeClr val="tx1"/>
+              </a:solidFill>
+            </a:ln>
+          </p:spPr>
+          <p:style>
+            <a:lnRef idx="2">
+              <a:schemeClr val="accent1">
+                <a:shade val="15000"/>
+              </a:schemeClr>
+            </a:lnRef>
+            <a:fillRef idx="1">
+              <a:schemeClr val="accent1"/>
+            </a:fillRef>
+            <a:effectRef idx="0">
+              <a:schemeClr val="accent1"/>
+            </a:effectRef>
+            <a:fontRef idx="minor">
+              <a:schemeClr val="lt1"/>
+            </a:fontRef>
+          </p:style>
+          <p:txBody>
+            <a:bodyPr rtlCol="0" anchor="ctr"/>
+            <a:lstStyle/>
+            <a:p>
+              <a:pPr algn="ctr">
+                <a:lnSpc>
+                  <a:spcPct val="120000"/>
+                </a:lnSpc>
+              </a:pPr>
+              <a:r>
+                <a:rPr lang="en-US" altLang="ko-KR" sz="900" dirty="0">
+                  <a:solidFill>
+                    <a:schemeClr val="tx1"/>
+                  </a:solidFill>
+                  <a:latin typeface="나눔바른고딕" panose="020B0603020101020101" pitchFamily="50" charset="-127"/>
+                  <a:ea typeface="나눔바른고딕" panose="020B0603020101020101" pitchFamily="50" charset="-127"/>
+                </a:rPr>
+                <a:t>n Random sampling</a:t>
+              </a:r>
+              <a:endParaRPr lang="ko-KR" altLang="en-US" sz="900" dirty="0">
+                <a:solidFill>
+                  <a:schemeClr val="tx1"/>
+                </a:solidFill>
+                <a:latin typeface="나눔바른고딕" panose="020B0603020101020101" pitchFamily="50" charset="-127"/>
+                <a:ea typeface="나눔바른고딕" panose="020B0603020101020101" pitchFamily="50" charset="-127"/>
+              </a:endParaRPr>
+            </a:p>
+          </p:txBody>
+        </p:sp>
+        <p:sp>
+          <p:nvSpPr>
+            <p:cNvPr id="27" name="순서도: 처리 26">
+              <a:extLst>
+                <a:ext uri="{FF2B5EF4-FFF2-40B4-BE49-F238E27FC236}">
+                  <a16:creationId xmlns:a16="http://schemas.microsoft.com/office/drawing/2014/main" id="{2D49B0DD-1FEB-3A24-6DE1-5AB58607D1A5}"/>
+                </a:ext>
+              </a:extLst>
+            </p:cNvPr>
+            <p:cNvSpPr/>
+            <p:nvPr/>
+          </p:nvSpPr>
+          <p:spPr>
+            <a:xfrm>
+              <a:off x="6304236" y="-333917"/>
+              <a:ext cx="1270455" cy="467168"/>
+            </a:xfrm>
+            <a:prstGeom prst="flowChartProcess">
+              <a:avLst/>
+            </a:prstGeom>
+            <a:noFill/>
+            <a:ln>
+              <a:solidFill>
+                <a:schemeClr val="tx1"/>
+              </a:solidFill>
+            </a:ln>
+          </p:spPr>
+          <p:style>
+            <a:lnRef idx="2">
+              <a:schemeClr val="accent1">
+                <a:shade val="15000"/>
+              </a:schemeClr>
+            </a:lnRef>
+            <a:fillRef idx="1">
+              <a:schemeClr val="accent1"/>
+            </a:fillRef>
+            <a:effectRef idx="0">
+              <a:schemeClr val="accent1"/>
+            </a:effectRef>
+            <a:fontRef idx="minor">
+              <a:schemeClr val="lt1"/>
+            </a:fontRef>
+          </p:style>
+          <p:txBody>
+            <a:bodyPr rtlCol="0" anchor="ctr"/>
+            <a:lstStyle/>
+            <a:p>
+              <a:pPr algn="ctr">
+                <a:lnSpc>
+                  <a:spcPct val="120000"/>
+                </a:lnSpc>
+              </a:pPr>
+              <a:r>
+                <a:rPr lang="en-US" altLang="ko-KR" sz="900" dirty="0">
+                  <a:solidFill>
+                    <a:schemeClr val="tx1"/>
+                  </a:solidFill>
+                  <a:latin typeface="나눔바른고딕" panose="020B0603020101020101" pitchFamily="50" charset="-127"/>
+                  <a:ea typeface="나눔바른고딕" panose="020B0603020101020101" pitchFamily="50" charset="-127"/>
+                </a:rPr>
+                <a:t>Estimate model</a:t>
+              </a:r>
+            </a:p>
+            <a:p>
+              <a:pPr algn="ctr">
+                <a:lnSpc>
+                  <a:spcPct val="120000"/>
+                </a:lnSpc>
+              </a:pPr>
+              <a:r>
+                <a:rPr lang="en-US" altLang="ko-KR" sz="900" dirty="0">
+                  <a:solidFill>
+                    <a:schemeClr val="tx1"/>
+                  </a:solidFill>
+                  <a:latin typeface="나눔바른고딕" panose="020B0603020101020101" pitchFamily="50" charset="-127"/>
+                  <a:ea typeface="나눔바른고딕" panose="020B0603020101020101" pitchFamily="50" charset="-127"/>
+                </a:rPr>
+                <a:t>parameters</a:t>
+              </a:r>
+              <a:endParaRPr lang="ko-KR" altLang="en-US" sz="900" dirty="0">
+                <a:solidFill>
+                  <a:schemeClr val="tx1"/>
+                </a:solidFill>
+                <a:latin typeface="나눔바른고딕" panose="020B0603020101020101" pitchFamily="50" charset="-127"/>
+                <a:ea typeface="나눔바른고딕" panose="020B0603020101020101" pitchFamily="50" charset="-127"/>
+              </a:endParaRPr>
+            </a:p>
+          </p:txBody>
+        </p:sp>
+        <p:sp>
+          <p:nvSpPr>
+            <p:cNvPr id="30" name="순서도: 처리 29">
+              <a:extLst>
+                <a:ext uri="{FF2B5EF4-FFF2-40B4-BE49-F238E27FC236}">
+                  <a16:creationId xmlns:a16="http://schemas.microsoft.com/office/drawing/2014/main" id="{E78B9B1A-DE0C-CC77-7428-BC71F03531CB}"/>
+                </a:ext>
+              </a:extLst>
+            </p:cNvPr>
+            <p:cNvSpPr/>
+            <p:nvPr/>
+          </p:nvSpPr>
+          <p:spPr>
+            <a:xfrm>
+              <a:off x="6304236" y="321138"/>
+              <a:ext cx="1270455" cy="467168"/>
+            </a:xfrm>
+            <a:prstGeom prst="flowChartProcess">
+              <a:avLst/>
+            </a:prstGeom>
+            <a:noFill/>
+            <a:ln>
+              <a:solidFill>
+                <a:schemeClr val="tx1"/>
+              </a:solidFill>
+            </a:ln>
+          </p:spPr>
+          <p:style>
+            <a:lnRef idx="2">
+              <a:schemeClr val="accent1">
+                <a:shade val="15000"/>
+              </a:schemeClr>
+            </a:lnRef>
+            <a:fillRef idx="1">
+              <a:schemeClr val="accent1"/>
+            </a:fillRef>
+            <a:effectRef idx="0">
+              <a:schemeClr val="accent1"/>
+            </a:effectRef>
+            <a:fontRef idx="minor">
+              <a:schemeClr val="lt1"/>
+            </a:fontRef>
+          </p:style>
+          <p:txBody>
+            <a:bodyPr rtlCol="0" anchor="ctr"/>
+            <a:lstStyle/>
+            <a:p>
+              <a:pPr algn="ctr">
+                <a:lnSpc>
+                  <a:spcPct val="120000"/>
+                </a:lnSpc>
+              </a:pPr>
+              <a:r>
+                <a:rPr lang="en-US" altLang="ko-KR" sz="900" dirty="0">
+                  <a:solidFill>
+                    <a:schemeClr val="tx1"/>
+                  </a:solidFill>
+                  <a:latin typeface="나눔바른고딕" panose="020B0603020101020101" pitchFamily="50" charset="-127"/>
+                  <a:ea typeface="나눔바른고딕" panose="020B0603020101020101" pitchFamily="50" charset="-127"/>
+                </a:rPr>
+                <a:t>Count number of</a:t>
+              </a:r>
+            </a:p>
+            <a:p>
+              <a:pPr algn="ctr">
+                <a:lnSpc>
+                  <a:spcPct val="120000"/>
+                </a:lnSpc>
+              </a:pPr>
+              <a:r>
+                <a:rPr lang="en-US" altLang="ko-KR" sz="900" dirty="0">
+                  <a:solidFill>
+                    <a:schemeClr val="tx1"/>
+                  </a:solidFill>
+                  <a:latin typeface="나눔바른고딕" panose="020B0603020101020101" pitchFamily="50" charset="-127"/>
+                  <a:ea typeface="나눔바른고딕" panose="020B0603020101020101" pitchFamily="50" charset="-127"/>
+                </a:rPr>
+                <a:t>inliers</a:t>
+              </a:r>
+              <a:endParaRPr lang="ko-KR" altLang="en-US" sz="900" dirty="0">
+                <a:solidFill>
+                  <a:schemeClr val="tx1"/>
+                </a:solidFill>
+                <a:latin typeface="나눔바른고딕" panose="020B0603020101020101" pitchFamily="50" charset="-127"/>
+                <a:ea typeface="나눔바른고딕" panose="020B0603020101020101" pitchFamily="50" charset="-127"/>
+              </a:endParaRPr>
+            </a:p>
+          </p:txBody>
+        </p:sp>
+        <p:sp>
+          <p:nvSpPr>
+            <p:cNvPr id="31" name="순서도: 처리 30">
+              <a:extLst>
+                <a:ext uri="{FF2B5EF4-FFF2-40B4-BE49-F238E27FC236}">
+                  <a16:creationId xmlns:a16="http://schemas.microsoft.com/office/drawing/2014/main" id="{E11CDD16-6B44-B46A-27A4-8A7545E58E42}"/>
+                </a:ext>
+              </a:extLst>
+            </p:cNvPr>
+            <p:cNvSpPr/>
+            <p:nvPr/>
+          </p:nvSpPr>
+          <p:spPr>
+            <a:xfrm>
+              <a:off x="6304236" y="1811819"/>
+              <a:ext cx="1270455" cy="467168"/>
+            </a:xfrm>
+            <a:prstGeom prst="flowChartProcess">
+              <a:avLst/>
+            </a:prstGeom>
+            <a:noFill/>
+            <a:ln>
+              <a:solidFill>
+                <a:schemeClr val="tx1"/>
+              </a:solidFill>
+            </a:ln>
+          </p:spPr>
+          <p:style>
+            <a:lnRef idx="2">
+              <a:schemeClr val="accent1">
+                <a:shade val="15000"/>
+              </a:schemeClr>
+            </a:lnRef>
+            <a:fillRef idx="1">
+              <a:schemeClr val="accent1"/>
+            </a:fillRef>
+            <a:effectRef idx="0">
+              <a:schemeClr val="accent1"/>
+            </a:effectRef>
+            <a:fontRef idx="minor">
+              <a:schemeClr val="lt1"/>
+            </a:fontRef>
+          </p:style>
+          <p:txBody>
+            <a:bodyPr rtlCol="0" anchor="ctr"/>
+            <a:lstStyle/>
+            <a:p>
+              <a:pPr algn="ctr">
+                <a:lnSpc>
+                  <a:spcPct val="120000"/>
+                </a:lnSpc>
+              </a:pPr>
+              <a:r>
+                <a:rPr lang="en-US" altLang="ko-KR" sz="900" dirty="0">
+                  <a:solidFill>
+                    <a:schemeClr val="tx1"/>
+                  </a:solidFill>
+                  <a:latin typeface="나눔바른고딕" panose="020B0603020101020101" pitchFamily="50" charset="-127"/>
+                  <a:ea typeface="나눔바른고딕" panose="020B0603020101020101" pitchFamily="50" charset="-127"/>
+                </a:rPr>
+                <a:t>n Random sampling</a:t>
+              </a:r>
+            </a:p>
+            <a:p>
+              <a:pPr algn="ctr">
+                <a:lnSpc>
+                  <a:spcPct val="120000"/>
+                </a:lnSpc>
+              </a:pPr>
+              <a:r>
+                <a:rPr lang="en-US" altLang="ko-KR" sz="900" dirty="0">
+                  <a:solidFill>
+                    <a:schemeClr val="tx1"/>
+                  </a:solidFill>
+                  <a:latin typeface="나눔바른고딕" panose="020B0603020101020101" pitchFamily="50" charset="-127"/>
+                  <a:ea typeface="나눔바른고딕" panose="020B0603020101020101" pitchFamily="50" charset="-127"/>
+                </a:rPr>
+                <a:t>within inliers</a:t>
+              </a:r>
+              <a:endParaRPr lang="ko-KR" altLang="en-US" sz="900" dirty="0">
+                <a:solidFill>
+                  <a:schemeClr val="tx1"/>
+                </a:solidFill>
+                <a:latin typeface="나눔바른고딕" panose="020B0603020101020101" pitchFamily="50" charset="-127"/>
+                <a:ea typeface="나눔바른고딕" panose="020B0603020101020101" pitchFamily="50" charset="-127"/>
+              </a:endParaRPr>
+            </a:p>
+          </p:txBody>
+        </p:sp>
+        <p:sp>
+          <p:nvSpPr>
+            <p:cNvPr id="32" name="다이아몬드 31">
+              <a:extLst>
+                <a:ext uri="{FF2B5EF4-FFF2-40B4-BE49-F238E27FC236}">
+                  <a16:creationId xmlns:a16="http://schemas.microsoft.com/office/drawing/2014/main" id="{C8CF9F72-1EBE-BA5A-998C-4CA69E96A29E}"/>
+                </a:ext>
+              </a:extLst>
+            </p:cNvPr>
+            <p:cNvSpPr/>
+            <p:nvPr/>
+          </p:nvSpPr>
+          <p:spPr>
+            <a:xfrm>
+              <a:off x="6121238" y="952242"/>
+              <a:ext cx="1636450" cy="668912"/>
+            </a:xfrm>
+            <a:prstGeom prst="diamond">
+              <a:avLst/>
+            </a:prstGeom>
+            <a:noFill/>
+            <a:ln>
+              <a:solidFill>
+                <a:schemeClr val="tx1"/>
+              </a:solidFill>
+            </a:ln>
+          </p:spPr>
+          <p:style>
+            <a:lnRef idx="2">
+              <a:schemeClr val="accent1">
+                <a:shade val="15000"/>
+              </a:schemeClr>
+            </a:lnRef>
+            <a:fillRef idx="1">
+              <a:schemeClr val="accent1"/>
+            </a:fillRef>
+            <a:effectRef idx="0">
+              <a:schemeClr val="accent1"/>
+            </a:effectRef>
+            <a:fontRef idx="minor">
+              <a:schemeClr val="lt1"/>
+            </a:fontRef>
+          </p:style>
+          <p:txBody>
+            <a:bodyPr rtlCol="0" anchor="ctr"/>
+            <a:lstStyle/>
+            <a:p>
+              <a:pPr algn="ctr">
+                <a:lnSpc>
+                  <a:spcPct val="120000"/>
+                </a:lnSpc>
+              </a:pPr>
+              <a:r>
+                <a:rPr lang="en-US" altLang="ko-KR" sz="900" dirty="0">
+                  <a:solidFill>
+                    <a:schemeClr val="tx1"/>
+                  </a:solidFill>
+                  <a:latin typeface="나눔바른고딕" panose="020B0603020101020101" pitchFamily="50" charset="-127"/>
+                  <a:ea typeface="나눔바른고딕" panose="020B0603020101020101" pitchFamily="50" charset="-127"/>
+                </a:rPr>
+                <a:t>Maximum</a:t>
+              </a:r>
+            </a:p>
+            <a:p>
+              <a:pPr algn="ctr">
+                <a:lnSpc>
+                  <a:spcPct val="120000"/>
+                </a:lnSpc>
+              </a:pPr>
+              <a:r>
+                <a:rPr lang="en-US" altLang="ko-KR" sz="900" dirty="0">
+                  <a:solidFill>
+                    <a:schemeClr val="tx1"/>
+                  </a:solidFill>
+                  <a:latin typeface="나눔바른고딕" panose="020B0603020101020101" pitchFamily="50" charset="-127"/>
+                  <a:ea typeface="나눔바른고딕" panose="020B0603020101020101" pitchFamily="50" charset="-127"/>
+                </a:rPr>
+                <a:t>Inliers ?</a:t>
+              </a:r>
+              <a:endParaRPr lang="ko-KR" altLang="en-US" sz="900" dirty="0">
+                <a:solidFill>
+                  <a:schemeClr val="tx1"/>
+                </a:solidFill>
+                <a:latin typeface="나눔바른고딕" panose="020B0603020101020101" pitchFamily="50" charset="-127"/>
+                <a:ea typeface="나눔바른고딕" panose="020B0603020101020101" pitchFamily="50" charset="-127"/>
+              </a:endParaRPr>
+            </a:p>
+          </p:txBody>
+        </p:sp>
+        <p:cxnSp>
+          <p:nvCxnSpPr>
+            <p:cNvPr id="36" name="직선 연결선 35">
+              <a:extLst>
+                <a:ext uri="{FF2B5EF4-FFF2-40B4-BE49-F238E27FC236}">
+                  <a16:creationId xmlns:a16="http://schemas.microsoft.com/office/drawing/2014/main" id="{56AB1949-9150-E091-BAD7-14B88EC24C4B}"/>
+                </a:ext>
+              </a:extLst>
+            </p:cNvPr>
+            <p:cNvCxnSpPr>
+              <a:stCxn id="32" idx="1"/>
+            </p:cNvCxnSpPr>
+            <p:nvPr/>
+          </p:nvCxnSpPr>
+          <p:spPr>
+            <a:xfrm flipH="1">
+              <a:off x="5877017" y="1286698"/>
+              <a:ext cx="244221" cy="0"/>
+            </a:xfrm>
+            <a:prstGeom prst="line">
+              <a:avLst/>
+            </a:prstGeom>
+            <a:ln>
+              <a:solidFill>
+                <a:schemeClr val="tx1"/>
+              </a:solidFill>
+            </a:ln>
+          </p:spPr>
+          <p:style>
+            <a:lnRef idx="1">
+              <a:schemeClr val="accent1"/>
+            </a:lnRef>
+            <a:fillRef idx="0">
+              <a:schemeClr val="accent1"/>
+            </a:fillRef>
+            <a:effectRef idx="0">
+              <a:schemeClr val="accent1"/>
+            </a:effectRef>
+            <a:fontRef idx="minor">
+              <a:schemeClr val="tx1"/>
+            </a:fontRef>
+          </p:style>
+        </p:cxnSp>
+        <p:cxnSp>
+          <p:nvCxnSpPr>
+            <p:cNvPr id="37" name="직선 연결선 36">
+              <a:extLst>
+                <a:ext uri="{FF2B5EF4-FFF2-40B4-BE49-F238E27FC236}">
+                  <a16:creationId xmlns:a16="http://schemas.microsoft.com/office/drawing/2014/main" id="{FECAFCFE-B29A-07FC-F0FA-A20D06CAA0C8}"/>
+                </a:ext>
+              </a:extLst>
+            </p:cNvPr>
+            <p:cNvCxnSpPr>
+              <a:cxnSpLocks/>
+            </p:cNvCxnSpPr>
+            <p:nvPr/>
+          </p:nvCxnSpPr>
+          <p:spPr>
+            <a:xfrm>
+              <a:off x="5877017" y="-759031"/>
+              <a:ext cx="0" cy="8334655"/>
+            </a:xfrm>
+            <a:prstGeom prst="line">
+              <a:avLst/>
+            </a:prstGeom>
+            <a:ln>
+              <a:solidFill>
+                <a:schemeClr val="tx1"/>
+              </a:solidFill>
+            </a:ln>
+          </p:spPr>
+          <p:style>
+            <a:lnRef idx="1">
+              <a:schemeClr val="accent1"/>
+            </a:lnRef>
+            <a:fillRef idx="0">
+              <a:schemeClr val="accent1"/>
+            </a:fillRef>
+            <a:effectRef idx="0">
+              <a:schemeClr val="accent1"/>
+            </a:effectRef>
+            <a:fontRef idx="minor">
+              <a:schemeClr val="tx1"/>
+            </a:fontRef>
+          </p:style>
+        </p:cxnSp>
+        <p:cxnSp>
+          <p:nvCxnSpPr>
+            <p:cNvPr id="46" name="직선 화살표 연결선 45">
+              <a:extLst>
+                <a:ext uri="{FF2B5EF4-FFF2-40B4-BE49-F238E27FC236}">
+                  <a16:creationId xmlns:a16="http://schemas.microsoft.com/office/drawing/2014/main" id="{667AE0CA-1552-DED8-4A86-84C6C24CAD2B}"/>
+                </a:ext>
+              </a:extLst>
+            </p:cNvPr>
+            <p:cNvCxnSpPr>
+              <a:cxnSpLocks/>
+              <a:endCxn id="26" idx="5"/>
+            </p:cNvCxnSpPr>
+            <p:nvPr/>
+          </p:nvCxnSpPr>
+          <p:spPr>
+            <a:xfrm>
+              <a:off x="5877017" y="-760442"/>
+              <a:ext cx="493220" cy="1411"/>
+            </a:xfrm>
+            <a:prstGeom prst="straightConnector1">
+              <a:avLst/>
+            </a:prstGeom>
+            <a:ln>
+              <a:tailEnd type="triangle"/>
+            </a:ln>
+          </p:spPr>
+          <p:style>
+            <a:lnRef idx="1">
+              <a:schemeClr val="dk1"/>
+            </a:lnRef>
+            <a:fillRef idx="0">
+              <a:schemeClr val="dk1"/>
+            </a:fillRef>
+            <a:effectRef idx="0">
+              <a:schemeClr val="dk1"/>
+            </a:effectRef>
+            <a:fontRef idx="minor">
+              <a:schemeClr val="tx1"/>
+            </a:fontRef>
+          </p:style>
+        </p:cxnSp>
+        <p:cxnSp>
+          <p:nvCxnSpPr>
+            <p:cNvPr id="48" name="직선 화살표 연결선 47">
+              <a:extLst>
+                <a:ext uri="{FF2B5EF4-FFF2-40B4-BE49-F238E27FC236}">
+                  <a16:creationId xmlns:a16="http://schemas.microsoft.com/office/drawing/2014/main" id="{00738882-1019-0EC6-05D9-45276CE2570F}"/>
+                </a:ext>
+              </a:extLst>
+            </p:cNvPr>
+            <p:cNvCxnSpPr>
+              <a:cxnSpLocks/>
+            </p:cNvCxnSpPr>
+            <p:nvPr/>
+          </p:nvCxnSpPr>
+          <p:spPr>
+            <a:xfrm>
+              <a:off x="6939463" y="-525447"/>
+              <a:ext cx="0" cy="191530"/>
+            </a:xfrm>
+            <a:prstGeom prst="straightConnector1">
+              <a:avLst/>
+            </a:prstGeom>
+            <a:ln>
+              <a:tailEnd type="triangle"/>
+            </a:ln>
+          </p:spPr>
+          <p:style>
+            <a:lnRef idx="1">
+              <a:schemeClr val="dk1"/>
+            </a:lnRef>
+            <a:fillRef idx="0">
+              <a:schemeClr val="dk1"/>
+            </a:fillRef>
+            <a:effectRef idx="0">
+              <a:schemeClr val="dk1"/>
+            </a:effectRef>
+            <a:fontRef idx="minor">
+              <a:schemeClr val="tx1"/>
+            </a:fontRef>
+          </p:style>
+        </p:cxnSp>
+        <p:cxnSp>
+          <p:nvCxnSpPr>
+            <p:cNvPr id="51" name="직선 화살표 연결선 50">
+              <a:extLst>
+                <a:ext uri="{FF2B5EF4-FFF2-40B4-BE49-F238E27FC236}">
+                  <a16:creationId xmlns:a16="http://schemas.microsoft.com/office/drawing/2014/main" id="{DA63F332-7457-FE64-063D-7946811AA202}"/>
+                </a:ext>
+              </a:extLst>
+            </p:cNvPr>
+            <p:cNvCxnSpPr>
+              <a:cxnSpLocks/>
+            </p:cNvCxnSpPr>
+            <p:nvPr/>
+          </p:nvCxnSpPr>
+          <p:spPr>
+            <a:xfrm>
+              <a:off x="6939463" y="133251"/>
+              <a:ext cx="0" cy="187887"/>
+            </a:xfrm>
+            <a:prstGeom prst="straightConnector1">
+              <a:avLst/>
+            </a:prstGeom>
+            <a:ln>
+              <a:tailEnd type="triangle"/>
+            </a:ln>
+          </p:spPr>
+          <p:style>
+            <a:lnRef idx="1">
+              <a:schemeClr val="dk1"/>
+            </a:lnRef>
+            <a:fillRef idx="0">
+              <a:schemeClr val="dk1"/>
+            </a:fillRef>
+            <a:effectRef idx="0">
+              <a:schemeClr val="dk1"/>
+            </a:effectRef>
+            <a:fontRef idx="minor">
+              <a:schemeClr val="tx1"/>
+            </a:fontRef>
+          </p:style>
+        </p:cxnSp>
+        <p:cxnSp>
+          <p:nvCxnSpPr>
+            <p:cNvPr id="54" name="직선 화살표 연결선 53">
+              <a:extLst>
+                <a:ext uri="{FF2B5EF4-FFF2-40B4-BE49-F238E27FC236}">
+                  <a16:creationId xmlns:a16="http://schemas.microsoft.com/office/drawing/2014/main" id="{CE7E0AC0-5445-B797-9572-8EF195B998B0}"/>
+                </a:ext>
+              </a:extLst>
+            </p:cNvPr>
+            <p:cNvCxnSpPr>
+              <a:cxnSpLocks/>
+            </p:cNvCxnSpPr>
+            <p:nvPr/>
+          </p:nvCxnSpPr>
+          <p:spPr>
+            <a:xfrm flipH="1">
+              <a:off x="6939463" y="788306"/>
+              <a:ext cx="1" cy="163936"/>
+            </a:xfrm>
+            <a:prstGeom prst="straightConnector1">
+              <a:avLst/>
+            </a:prstGeom>
+            <a:ln>
+              <a:tailEnd type="triangle"/>
+            </a:ln>
+          </p:spPr>
+          <p:style>
+            <a:lnRef idx="1">
+              <a:schemeClr val="dk1"/>
+            </a:lnRef>
+            <a:fillRef idx="0">
+              <a:schemeClr val="dk1"/>
+            </a:fillRef>
+            <a:effectRef idx="0">
+              <a:schemeClr val="dk1"/>
+            </a:effectRef>
+            <a:fontRef idx="minor">
+              <a:schemeClr val="tx1"/>
+            </a:fontRef>
+          </p:style>
+        </p:cxnSp>
+        <p:sp>
+          <p:nvSpPr>
+            <p:cNvPr id="57" name="순서도: 처리 56">
+              <a:extLst>
+                <a:ext uri="{FF2B5EF4-FFF2-40B4-BE49-F238E27FC236}">
+                  <a16:creationId xmlns:a16="http://schemas.microsoft.com/office/drawing/2014/main" id="{7C487467-6836-1B21-3969-93A6166B3456}"/>
+                </a:ext>
+              </a:extLst>
+            </p:cNvPr>
+            <p:cNvSpPr/>
+            <p:nvPr/>
+          </p:nvSpPr>
+          <p:spPr>
+            <a:xfrm>
+              <a:off x="6304236" y="2440145"/>
+              <a:ext cx="1270455" cy="467168"/>
+            </a:xfrm>
+            <a:prstGeom prst="flowChartProcess">
+              <a:avLst/>
+            </a:prstGeom>
+            <a:noFill/>
+            <a:ln>
+              <a:solidFill>
+                <a:schemeClr val="tx1"/>
+              </a:solidFill>
+            </a:ln>
+          </p:spPr>
+          <p:style>
+            <a:lnRef idx="2">
+              <a:schemeClr val="accent1">
+                <a:shade val="15000"/>
+              </a:schemeClr>
+            </a:lnRef>
+            <a:fillRef idx="1">
+              <a:schemeClr val="accent1"/>
+            </a:fillRef>
+            <a:effectRef idx="0">
+              <a:schemeClr val="accent1"/>
+            </a:effectRef>
+            <a:fontRef idx="minor">
+              <a:schemeClr val="lt1"/>
+            </a:fontRef>
+          </p:style>
+          <p:txBody>
+            <a:bodyPr rtlCol="0" anchor="ctr"/>
+            <a:lstStyle/>
+            <a:p>
+              <a:pPr algn="ctr">
+                <a:lnSpc>
+                  <a:spcPct val="120000"/>
+                </a:lnSpc>
+              </a:pPr>
+              <a:r>
+                <a:rPr lang="en-US" altLang="ko-KR" sz="900" dirty="0">
+                  <a:solidFill>
+                    <a:schemeClr val="tx1"/>
+                  </a:solidFill>
+                  <a:latin typeface="나눔바른고딕" panose="020B0603020101020101" pitchFamily="50" charset="-127"/>
+                  <a:ea typeface="나눔바른고딕" panose="020B0603020101020101" pitchFamily="50" charset="-127"/>
+                </a:rPr>
+                <a:t>Fit model</a:t>
+              </a:r>
+            </a:p>
+            <a:p>
+              <a:pPr algn="ctr">
+                <a:lnSpc>
+                  <a:spcPct val="120000"/>
+                </a:lnSpc>
+              </a:pPr>
+              <a:r>
+                <a:rPr lang="en-US" altLang="ko-KR" sz="900" dirty="0">
+                  <a:solidFill>
+                    <a:schemeClr val="tx1"/>
+                  </a:solidFill>
+                  <a:latin typeface="나눔바른고딕" panose="020B0603020101020101" pitchFamily="50" charset="-127"/>
+                  <a:ea typeface="나눔바른고딕" panose="020B0603020101020101" pitchFamily="50" charset="-127"/>
+                </a:rPr>
+                <a:t>within inliers</a:t>
+              </a:r>
+              <a:endParaRPr lang="ko-KR" altLang="en-US" sz="900" dirty="0">
+                <a:solidFill>
+                  <a:schemeClr val="tx1"/>
+                </a:solidFill>
+                <a:latin typeface="나눔바른고딕" panose="020B0603020101020101" pitchFamily="50" charset="-127"/>
+                <a:ea typeface="나눔바른고딕" panose="020B0603020101020101" pitchFamily="50" charset="-127"/>
+              </a:endParaRPr>
+            </a:p>
+          </p:txBody>
+        </p:sp>
+        <p:sp>
+          <p:nvSpPr>
+            <p:cNvPr id="58" name="순서도: 처리 57">
+              <a:extLst>
+                <a:ext uri="{FF2B5EF4-FFF2-40B4-BE49-F238E27FC236}">
+                  <a16:creationId xmlns:a16="http://schemas.microsoft.com/office/drawing/2014/main" id="{8BBDDC5F-B4E0-2FE0-545D-D6B95D880173}"/>
+                </a:ext>
+              </a:extLst>
+            </p:cNvPr>
+            <p:cNvSpPr/>
+            <p:nvPr/>
+          </p:nvSpPr>
+          <p:spPr>
+            <a:xfrm>
+              <a:off x="6304236" y="3068471"/>
+              <a:ext cx="1270455" cy="467168"/>
+            </a:xfrm>
+            <a:prstGeom prst="flowChartProcess">
+              <a:avLst/>
+            </a:prstGeom>
+            <a:noFill/>
+            <a:ln>
+              <a:solidFill>
+                <a:schemeClr val="tx1"/>
+              </a:solidFill>
+            </a:ln>
+          </p:spPr>
+          <p:style>
+            <a:lnRef idx="2">
+              <a:schemeClr val="accent1">
+                <a:shade val="15000"/>
+              </a:schemeClr>
+            </a:lnRef>
+            <a:fillRef idx="1">
+              <a:schemeClr val="accent1"/>
+            </a:fillRef>
+            <a:effectRef idx="0">
+              <a:schemeClr val="accent1"/>
+            </a:effectRef>
+            <a:fontRef idx="minor">
+              <a:schemeClr val="lt1"/>
+            </a:fontRef>
+          </p:style>
+          <p:txBody>
+            <a:bodyPr rtlCol="0" anchor="ctr"/>
+            <a:lstStyle/>
+            <a:p>
+              <a:pPr algn="ctr">
+                <a:lnSpc>
+                  <a:spcPct val="120000"/>
+                </a:lnSpc>
+              </a:pPr>
+              <a:r>
+                <a:rPr lang="en-US" altLang="ko-KR" sz="900" dirty="0">
+                  <a:solidFill>
+                    <a:schemeClr val="tx1"/>
+                  </a:solidFill>
+                  <a:latin typeface="나눔바른고딕" panose="020B0603020101020101" pitchFamily="50" charset="-127"/>
+                  <a:ea typeface="나눔바른고딕" panose="020B0603020101020101" pitchFamily="50" charset="-127"/>
+                </a:rPr>
+                <a:t>Count number of inliers</a:t>
+              </a:r>
+              <a:endParaRPr lang="ko-KR" altLang="en-US" sz="900" dirty="0">
+                <a:solidFill>
+                  <a:schemeClr val="tx1"/>
+                </a:solidFill>
+                <a:latin typeface="나눔바른고딕" panose="020B0603020101020101" pitchFamily="50" charset="-127"/>
+                <a:ea typeface="나눔바른고딕" panose="020B0603020101020101" pitchFamily="50" charset="-127"/>
+              </a:endParaRPr>
+            </a:p>
+          </p:txBody>
+        </p:sp>
+        <p:sp>
+          <p:nvSpPr>
+            <p:cNvPr id="59" name="순서도: 처리 58">
+              <a:extLst>
+                <a:ext uri="{FF2B5EF4-FFF2-40B4-BE49-F238E27FC236}">
+                  <a16:creationId xmlns:a16="http://schemas.microsoft.com/office/drawing/2014/main" id="{9822A2AF-BF49-6531-2C7F-20C70707CE59}"/>
+                </a:ext>
+              </a:extLst>
+            </p:cNvPr>
+            <p:cNvSpPr/>
+            <p:nvPr/>
+          </p:nvSpPr>
+          <p:spPr>
+            <a:xfrm>
+              <a:off x="6304236" y="4526867"/>
+              <a:ext cx="1270455" cy="467168"/>
+            </a:xfrm>
+            <a:prstGeom prst="flowChartProcess">
+              <a:avLst/>
+            </a:prstGeom>
+            <a:noFill/>
+            <a:ln>
+              <a:solidFill>
+                <a:schemeClr val="tx1"/>
+              </a:solidFill>
+            </a:ln>
+          </p:spPr>
+          <p:style>
+            <a:lnRef idx="2">
+              <a:schemeClr val="accent1">
+                <a:shade val="15000"/>
+              </a:schemeClr>
+            </a:lnRef>
+            <a:fillRef idx="1">
+              <a:schemeClr val="accent1"/>
+            </a:fillRef>
+            <a:effectRef idx="0">
+              <a:schemeClr val="accent1"/>
+            </a:effectRef>
+            <a:fontRef idx="minor">
+              <a:schemeClr val="lt1"/>
+            </a:fontRef>
+          </p:style>
+          <p:txBody>
+            <a:bodyPr rtlCol="0" anchor="ctr"/>
+            <a:lstStyle/>
+            <a:p>
+              <a:pPr algn="ctr">
+                <a:lnSpc>
+                  <a:spcPct val="120000"/>
+                </a:lnSpc>
+              </a:pPr>
+              <a:r>
+                <a:rPr lang="en-US" altLang="ko-KR" sz="900" dirty="0">
+                  <a:solidFill>
+                    <a:schemeClr val="tx1"/>
+                  </a:solidFill>
+                  <a:latin typeface="나눔바른고딕" panose="020B0603020101020101" pitchFamily="50" charset="-127"/>
+                  <a:ea typeface="나눔바른고딕" panose="020B0603020101020101" pitchFamily="50" charset="-127"/>
+                </a:rPr>
+                <a:t>Save model</a:t>
+              </a:r>
+            </a:p>
+            <a:p>
+              <a:pPr algn="ctr">
+                <a:lnSpc>
+                  <a:spcPct val="120000"/>
+                </a:lnSpc>
+              </a:pPr>
+              <a:r>
+                <a:rPr lang="en-US" altLang="ko-KR" sz="900" dirty="0">
+                  <a:solidFill>
+                    <a:schemeClr val="tx1"/>
+                  </a:solidFill>
+                  <a:latin typeface="나눔바른고딕" panose="020B0603020101020101" pitchFamily="50" charset="-127"/>
+                  <a:ea typeface="나눔바른고딕" panose="020B0603020101020101" pitchFamily="50" charset="-127"/>
+                </a:rPr>
+                <a:t>parameters</a:t>
+              </a:r>
+              <a:endParaRPr lang="ko-KR" altLang="en-US" sz="900" dirty="0">
+                <a:solidFill>
+                  <a:schemeClr val="tx1"/>
+                </a:solidFill>
+                <a:latin typeface="나눔바른고딕" panose="020B0603020101020101" pitchFamily="50" charset="-127"/>
+                <a:ea typeface="나눔바른고딕" panose="020B0603020101020101" pitchFamily="50" charset="-127"/>
+              </a:endParaRPr>
+            </a:p>
+          </p:txBody>
+        </p:sp>
+        <p:sp>
+          <p:nvSpPr>
+            <p:cNvPr id="60" name="다이아몬드 59">
+              <a:extLst>
+                <a:ext uri="{FF2B5EF4-FFF2-40B4-BE49-F238E27FC236}">
+                  <a16:creationId xmlns:a16="http://schemas.microsoft.com/office/drawing/2014/main" id="{B3EF8F3A-F124-1F7E-541F-F0F752813FEB}"/>
+                </a:ext>
+              </a:extLst>
+            </p:cNvPr>
+            <p:cNvSpPr/>
+            <p:nvPr/>
+          </p:nvSpPr>
+          <p:spPr>
+            <a:xfrm>
+              <a:off x="6121238" y="3696797"/>
+              <a:ext cx="1636450" cy="668912"/>
+            </a:xfrm>
+            <a:prstGeom prst="diamond">
+              <a:avLst/>
+            </a:prstGeom>
+            <a:noFill/>
+            <a:ln>
+              <a:solidFill>
+                <a:schemeClr val="tx1"/>
+              </a:solidFill>
+            </a:ln>
+          </p:spPr>
+          <p:style>
+            <a:lnRef idx="2">
+              <a:schemeClr val="accent1">
+                <a:shade val="15000"/>
+              </a:schemeClr>
+            </a:lnRef>
+            <a:fillRef idx="1">
+              <a:schemeClr val="accent1"/>
+            </a:fillRef>
+            <a:effectRef idx="0">
+              <a:schemeClr val="accent1"/>
+            </a:effectRef>
+            <a:fontRef idx="minor">
+              <a:schemeClr val="lt1"/>
+            </a:fontRef>
+          </p:style>
+          <p:txBody>
+            <a:bodyPr rtlCol="0" anchor="ctr"/>
+            <a:lstStyle/>
+            <a:p>
+              <a:pPr algn="ctr">
+                <a:lnSpc>
+                  <a:spcPct val="120000"/>
+                </a:lnSpc>
+              </a:pPr>
+              <a:r>
+                <a:rPr lang="en-US" altLang="ko-KR" sz="900" dirty="0">
+                  <a:solidFill>
+                    <a:schemeClr val="tx1"/>
+                  </a:solidFill>
+                  <a:latin typeface="나눔바른고딕" panose="020B0603020101020101" pitchFamily="50" charset="-127"/>
+                  <a:ea typeface="나눔바른고딕" panose="020B0603020101020101" pitchFamily="50" charset="-127"/>
+                </a:rPr>
+                <a:t>Maximum</a:t>
+              </a:r>
+            </a:p>
+            <a:p>
+              <a:pPr algn="ctr">
+                <a:lnSpc>
+                  <a:spcPct val="120000"/>
+                </a:lnSpc>
+              </a:pPr>
+              <a:r>
+                <a:rPr lang="en-US" altLang="ko-KR" sz="900" dirty="0">
+                  <a:solidFill>
+                    <a:schemeClr val="tx1"/>
+                  </a:solidFill>
+                  <a:latin typeface="나눔바른고딕" panose="020B0603020101020101" pitchFamily="50" charset="-127"/>
+                  <a:ea typeface="나눔바른고딕" panose="020B0603020101020101" pitchFamily="50" charset="-127"/>
+                </a:rPr>
+                <a:t>Inliers ?</a:t>
+              </a:r>
+              <a:endParaRPr lang="ko-KR" altLang="en-US" sz="900" dirty="0">
+                <a:solidFill>
+                  <a:schemeClr val="tx1"/>
+                </a:solidFill>
+                <a:latin typeface="나눔바른고딕" panose="020B0603020101020101" pitchFamily="50" charset="-127"/>
+                <a:ea typeface="나눔바른고딕" panose="020B0603020101020101" pitchFamily="50" charset="-127"/>
+              </a:endParaRPr>
+            </a:p>
+          </p:txBody>
+        </p:sp>
+        <p:cxnSp>
+          <p:nvCxnSpPr>
+            <p:cNvPr id="61" name="직선 연결선 60">
+              <a:extLst>
+                <a:ext uri="{FF2B5EF4-FFF2-40B4-BE49-F238E27FC236}">
+                  <a16:creationId xmlns:a16="http://schemas.microsoft.com/office/drawing/2014/main" id="{A5913802-8024-9E36-6034-2C5902F93232}"/>
+                </a:ext>
+              </a:extLst>
+            </p:cNvPr>
+            <p:cNvCxnSpPr>
+              <a:cxnSpLocks/>
+              <a:stCxn id="60" idx="1"/>
+            </p:cNvCxnSpPr>
+            <p:nvPr/>
+          </p:nvCxnSpPr>
+          <p:spPr>
+            <a:xfrm flipH="1">
+              <a:off x="5877017" y="4031253"/>
+              <a:ext cx="244221" cy="0"/>
+            </a:xfrm>
+            <a:prstGeom prst="line">
+              <a:avLst/>
+            </a:prstGeom>
+            <a:ln>
+              <a:solidFill>
+                <a:schemeClr val="tx1"/>
+              </a:solidFill>
+            </a:ln>
+          </p:spPr>
+          <p:style>
+            <a:lnRef idx="1">
+              <a:schemeClr val="accent1"/>
+            </a:lnRef>
+            <a:fillRef idx="0">
+              <a:schemeClr val="accent1"/>
+            </a:fillRef>
+            <a:effectRef idx="0">
+              <a:schemeClr val="accent1"/>
+            </a:effectRef>
+            <a:fontRef idx="minor">
+              <a:schemeClr val="tx1"/>
+            </a:fontRef>
+          </p:style>
+        </p:cxnSp>
+        <p:sp>
+          <p:nvSpPr>
+            <p:cNvPr id="64" name="순서도: 처리 63">
+              <a:extLst>
+                <a:ext uri="{FF2B5EF4-FFF2-40B4-BE49-F238E27FC236}">
+                  <a16:creationId xmlns:a16="http://schemas.microsoft.com/office/drawing/2014/main" id="{DCD3EE62-77E4-0892-34C2-FDA0F30AF9AC}"/>
+                </a:ext>
+              </a:extLst>
+            </p:cNvPr>
+            <p:cNvSpPr/>
+            <p:nvPr/>
+          </p:nvSpPr>
+          <p:spPr>
+            <a:xfrm>
+              <a:off x="6304236" y="5155193"/>
+              <a:ext cx="1270455" cy="467168"/>
+            </a:xfrm>
+            <a:prstGeom prst="flowChartProcess">
+              <a:avLst/>
+            </a:prstGeom>
+            <a:noFill/>
+            <a:ln>
+              <a:solidFill>
+                <a:schemeClr val="tx1"/>
+              </a:solidFill>
+            </a:ln>
+          </p:spPr>
+          <p:style>
+            <a:lnRef idx="2">
+              <a:schemeClr val="accent1">
+                <a:shade val="15000"/>
+              </a:schemeClr>
+            </a:lnRef>
+            <a:fillRef idx="1">
+              <a:schemeClr val="accent1"/>
+            </a:fillRef>
+            <a:effectRef idx="0">
+              <a:schemeClr val="accent1"/>
+            </a:effectRef>
+            <a:fontRef idx="minor">
+              <a:schemeClr val="lt1"/>
+            </a:fontRef>
+          </p:style>
+          <p:txBody>
+            <a:bodyPr rtlCol="0" anchor="ctr"/>
+            <a:lstStyle/>
+            <a:p>
+              <a:pPr algn="ctr">
+                <a:lnSpc>
+                  <a:spcPct val="120000"/>
+                </a:lnSpc>
+              </a:pPr>
+              <a:r>
+                <a:rPr lang="en-US" altLang="ko-KR" sz="900" dirty="0">
+                  <a:solidFill>
+                    <a:schemeClr val="tx1"/>
+                  </a:solidFill>
+                  <a:latin typeface="나눔바른고딕" panose="020B0603020101020101" pitchFamily="50" charset="-127"/>
+                  <a:ea typeface="나눔바른고딕" panose="020B0603020101020101" pitchFamily="50" charset="-127"/>
+                </a:rPr>
+                <a:t>Local optimization with inliers</a:t>
+              </a:r>
+              <a:endParaRPr lang="ko-KR" altLang="en-US" sz="900" dirty="0">
+                <a:solidFill>
+                  <a:schemeClr val="tx1"/>
+                </a:solidFill>
+                <a:latin typeface="나눔바른고딕" panose="020B0603020101020101" pitchFamily="50" charset="-127"/>
+                <a:ea typeface="나눔바른고딕" panose="020B0603020101020101" pitchFamily="50" charset="-127"/>
+              </a:endParaRPr>
+            </a:p>
+          </p:txBody>
+        </p:sp>
+        <p:sp>
+          <p:nvSpPr>
+            <p:cNvPr id="66" name="다이아몬드 65">
+              <a:extLst>
+                <a:ext uri="{FF2B5EF4-FFF2-40B4-BE49-F238E27FC236}">
+                  <a16:creationId xmlns:a16="http://schemas.microsoft.com/office/drawing/2014/main" id="{A253D61A-EAC0-8BA6-C3E0-19A21483444A}"/>
+                </a:ext>
+              </a:extLst>
+            </p:cNvPr>
+            <p:cNvSpPr/>
+            <p:nvPr/>
+          </p:nvSpPr>
+          <p:spPr>
+            <a:xfrm>
+              <a:off x="6121238" y="5783519"/>
+              <a:ext cx="1636450" cy="668912"/>
+            </a:xfrm>
+            <a:prstGeom prst="diamond">
+              <a:avLst/>
+            </a:prstGeom>
+            <a:noFill/>
+            <a:ln>
+              <a:solidFill>
+                <a:schemeClr val="tx1"/>
+              </a:solidFill>
+            </a:ln>
+          </p:spPr>
+          <p:style>
+            <a:lnRef idx="2">
+              <a:schemeClr val="accent1">
+                <a:shade val="15000"/>
+              </a:schemeClr>
+            </a:lnRef>
+            <a:fillRef idx="1">
+              <a:schemeClr val="accent1"/>
+            </a:fillRef>
+            <a:effectRef idx="0">
+              <a:schemeClr val="accent1"/>
+            </a:effectRef>
+            <a:fontRef idx="minor">
+              <a:schemeClr val="lt1"/>
+            </a:fontRef>
+          </p:style>
+          <p:txBody>
+            <a:bodyPr rtlCol="0" anchor="ctr"/>
+            <a:lstStyle/>
+            <a:p>
+              <a:pPr algn="ctr">
+                <a:lnSpc>
+                  <a:spcPct val="120000"/>
+                </a:lnSpc>
+              </a:pPr>
+              <a:r>
+                <a:rPr lang="en-US" altLang="ko-KR" sz="900" dirty="0">
+                  <a:solidFill>
+                    <a:schemeClr val="tx1"/>
+                  </a:solidFill>
+                  <a:latin typeface="나눔바른고딕" panose="020B0603020101020101" pitchFamily="50" charset="-127"/>
+                  <a:ea typeface="나눔바른고딕" panose="020B0603020101020101" pitchFamily="50" charset="-127"/>
+                </a:rPr>
+                <a:t>Maximum</a:t>
+              </a:r>
+            </a:p>
+            <a:p>
+              <a:pPr algn="ctr">
+                <a:lnSpc>
+                  <a:spcPct val="120000"/>
+                </a:lnSpc>
+              </a:pPr>
+              <a:r>
+                <a:rPr lang="en-US" altLang="ko-KR" sz="900" dirty="0">
+                  <a:solidFill>
+                    <a:schemeClr val="tx1"/>
+                  </a:solidFill>
+                  <a:latin typeface="나눔바른고딕" panose="020B0603020101020101" pitchFamily="50" charset="-127"/>
+                  <a:ea typeface="나눔바른고딕" panose="020B0603020101020101" pitchFamily="50" charset="-127"/>
+                </a:rPr>
+                <a:t>Inliers ?</a:t>
+              </a:r>
+              <a:endParaRPr lang="ko-KR" altLang="en-US" sz="900" dirty="0">
+                <a:solidFill>
+                  <a:schemeClr val="tx1"/>
+                </a:solidFill>
+                <a:latin typeface="나눔바른고딕" panose="020B0603020101020101" pitchFamily="50" charset="-127"/>
+                <a:ea typeface="나눔바른고딕" panose="020B0603020101020101" pitchFamily="50" charset="-127"/>
+              </a:endParaRPr>
+            </a:p>
+          </p:txBody>
+        </p:sp>
+        <p:cxnSp>
+          <p:nvCxnSpPr>
+            <p:cNvPr id="67" name="직선 연결선 66">
+              <a:extLst>
+                <a:ext uri="{FF2B5EF4-FFF2-40B4-BE49-F238E27FC236}">
+                  <a16:creationId xmlns:a16="http://schemas.microsoft.com/office/drawing/2014/main" id="{B6B625AF-7742-A5FA-7FC6-EF704AA32A00}"/>
+                </a:ext>
+              </a:extLst>
+            </p:cNvPr>
+            <p:cNvCxnSpPr>
+              <a:cxnSpLocks/>
+              <a:stCxn id="71" idx="1"/>
+            </p:cNvCxnSpPr>
+            <p:nvPr/>
+          </p:nvCxnSpPr>
+          <p:spPr>
+            <a:xfrm flipH="1" flipV="1">
+              <a:off x="5877017" y="7575624"/>
+              <a:ext cx="244221" cy="747"/>
+            </a:xfrm>
+            <a:prstGeom prst="line">
+              <a:avLst/>
+            </a:prstGeom>
+            <a:ln>
+              <a:solidFill>
+                <a:schemeClr val="tx1"/>
+              </a:solidFill>
+            </a:ln>
+          </p:spPr>
+          <p:style>
+            <a:lnRef idx="1">
+              <a:schemeClr val="accent1"/>
+            </a:lnRef>
+            <a:fillRef idx="0">
+              <a:schemeClr val="accent1"/>
+            </a:fillRef>
+            <a:effectRef idx="0">
+              <a:schemeClr val="accent1"/>
+            </a:effectRef>
+            <a:fontRef idx="minor">
+              <a:schemeClr val="tx1"/>
+            </a:fontRef>
+          </p:style>
+        </p:cxnSp>
+        <p:sp>
+          <p:nvSpPr>
+            <p:cNvPr id="70" name="순서도: 처리 69">
+              <a:extLst>
+                <a:ext uri="{FF2B5EF4-FFF2-40B4-BE49-F238E27FC236}">
+                  <a16:creationId xmlns:a16="http://schemas.microsoft.com/office/drawing/2014/main" id="{C29B0C74-A246-3A7A-B89F-54632F3D7130}"/>
+                </a:ext>
+              </a:extLst>
+            </p:cNvPr>
+            <p:cNvSpPr/>
+            <p:nvPr/>
+          </p:nvSpPr>
+          <p:spPr>
+            <a:xfrm>
+              <a:off x="6304236" y="6613589"/>
+              <a:ext cx="1270455" cy="467168"/>
+            </a:xfrm>
+            <a:prstGeom prst="flowChartProcess">
+              <a:avLst/>
+            </a:prstGeom>
+            <a:noFill/>
+            <a:ln>
+              <a:solidFill>
+                <a:schemeClr val="tx1"/>
+              </a:solidFill>
+            </a:ln>
+          </p:spPr>
+          <p:style>
+            <a:lnRef idx="2">
+              <a:schemeClr val="accent1">
+                <a:shade val="15000"/>
+              </a:schemeClr>
+            </a:lnRef>
+            <a:fillRef idx="1">
+              <a:schemeClr val="accent1"/>
+            </a:fillRef>
+            <a:effectRef idx="0">
+              <a:schemeClr val="accent1"/>
+            </a:effectRef>
+            <a:fontRef idx="minor">
+              <a:schemeClr val="lt1"/>
+            </a:fontRef>
+          </p:style>
+          <p:txBody>
+            <a:bodyPr rtlCol="0" anchor="ctr"/>
+            <a:lstStyle/>
+            <a:p>
+              <a:pPr algn="ctr">
+                <a:lnSpc>
+                  <a:spcPct val="120000"/>
+                </a:lnSpc>
+              </a:pPr>
+              <a:r>
+                <a:rPr lang="en-US" altLang="ko-KR" sz="900" dirty="0">
+                  <a:solidFill>
+                    <a:schemeClr val="tx1"/>
+                  </a:solidFill>
+                  <a:latin typeface="나눔바른고딕" panose="020B0603020101020101" pitchFamily="50" charset="-127"/>
+                  <a:ea typeface="나눔바른고딕" panose="020B0603020101020101" pitchFamily="50" charset="-127"/>
+                </a:rPr>
+                <a:t>Save model</a:t>
+              </a:r>
+            </a:p>
+            <a:p>
+              <a:pPr algn="ctr">
+                <a:lnSpc>
+                  <a:spcPct val="120000"/>
+                </a:lnSpc>
+              </a:pPr>
+              <a:r>
+                <a:rPr lang="en-US" altLang="ko-KR" sz="900" dirty="0">
+                  <a:solidFill>
+                    <a:schemeClr val="tx1"/>
+                  </a:solidFill>
+                  <a:latin typeface="나눔바른고딕" panose="020B0603020101020101" pitchFamily="50" charset="-127"/>
+                  <a:ea typeface="나눔바른고딕" panose="020B0603020101020101" pitchFamily="50" charset="-127"/>
+                </a:rPr>
+                <a:t>parameters</a:t>
+              </a:r>
+              <a:endParaRPr lang="ko-KR" altLang="en-US" sz="900" dirty="0">
+                <a:solidFill>
+                  <a:schemeClr val="tx1"/>
+                </a:solidFill>
+                <a:latin typeface="나눔바른고딕" panose="020B0603020101020101" pitchFamily="50" charset="-127"/>
+                <a:ea typeface="나눔바른고딕" panose="020B0603020101020101" pitchFamily="50" charset="-127"/>
+              </a:endParaRPr>
+            </a:p>
+          </p:txBody>
+        </p:sp>
+        <p:sp>
+          <p:nvSpPr>
+            <p:cNvPr id="71" name="다이아몬드 70">
+              <a:extLst>
+                <a:ext uri="{FF2B5EF4-FFF2-40B4-BE49-F238E27FC236}">
+                  <a16:creationId xmlns:a16="http://schemas.microsoft.com/office/drawing/2014/main" id="{C661692E-26C2-E410-6561-45EF3DF67C36}"/>
+                </a:ext>
+              </a:extLst>
+            </p:cNvPr>
+            <p:cNvSpPr/>
+            <p:nvPr/>
+          </p:nvSpPr>
+          <p:spPr>
+            <a:xfrm>
+              <a:off x="6121238" y="7241915"/>
+              <a:ext cx="1636450" cy="668912"/>
+            </a:xfrm>
+            <a:prstGeom prst="diamond">
+              <a:avLst/>
+            </a:prstGeom>
+            <a:noFill/>
+            <a:ln>
+              <a:solidFill>
+                <a:schemeClr val="tx1"/>
+              </a:solidFill>
+            </a:ln>
+          </p:spPr>
+          <p:style>
+            <a:lnRef idx="2">
+              <a:schemeClr val="accent1">
+                <a:shade val="15000"/>
+              </a:schemeClr>
+            </a:lnRef>
+            <a:fillRef idx="1">
+              <a:schemeClr val="accent1"/>
+            </a:fillRef>
+            <a:effectRef idx="0">
+              <a:schemeClr val="accent1"/>
+            </a:effectRef>
+            <a:fontRef idx="minor">
+              <a:schemeClr val="lt1"/>
+            </a:fontRef>
+          </p:style>
+          <p:txBody>
+            <a:bodyPr rtlCol="0" anchor="ctr"/>
+            <a:lstStyle/>
+            <a:p>
+              <a:pPr algn="ctr">
+                <a:lnSpc>
+                  <a:spcPct val="120000"/>
+                </a:lnSpc>
+              </a:pPr>
+              <a:r>
+                <a:rPr lang="en-US" altLang="ko-KR" sz="900" dirty="0">
+                  <a:solidFill>
+                    <a:schemeClr val="tx1"/>
+                  </a:solidFill>
+                  <a:latin typeface="나눔바른고딕" panose="020B0603020101020101" pitchFamily="50" charset="-127"/>
+                  <a:ea typeface="나눔바른고딕" panose="020B0603020101020101" pitchFamily="50" charset="-127"/>
+                </a:rPr>
+                <a:t>N iterations ?</a:t>
+              </a:r>
+              <a:endParaRPr lang="ko-KR" altLang="en-US" sz="900" dirty="0">
+                <a:solidFill>
+                  <a:schemeClr val="tx1"/>
+                </a:solidFill>
+                <a:latin typeface="나눔바른고딕" panose="020B0603020101020101" pitchFamily="50" charset="-127"/>
+                <a:ea typeface="나눔바른고딕" panose="020B0603020101020101" pitchFamily="50" charset="-127"/>
+              </a:endParaRPr>
+            </a:p>
+          </p:txBody>
+        </p:sp>
+        <p:cxnSp>
+          <p:nvCxnSpPr>
+            <p:cNvPr id="73" name="직선 연결선 72">
+              <a:extLst>
+                <a:ext uri="{FF2B5EF4-FFF2-40B4-BE49-F238E27FC236}">
+                  <a16:creationId xmlns:a16="http://schemas.microsoft.com/office/drawing/2014/main" id="{619370A8-8C5D-EE78-93D3-7EDB84BE9D4F}"/>
+                </a:ext>
+              </a:extLst>
+            </p:cNvPr>
+            <p:cNvCxnSpPr>
+              <a:cxnSpLocks/>
+              <a:stCxn id="66" idx="1"/>
+            </p:cNvCxnSpPr>
+            <p:nvPr/>
+          </p:nvCxnSpPr>
+          <p:spPr>
+            <a:xfrm flipH="1" flipV="1">
+              <a:off x="5877017" y="6116481"/>
+              <a:ext cx="244221" cy="1494"/>
+            </a:xfrm>
+            <a:prstGeom prst="line">
+              <a:avLst/>
+            </a:prstGeom>
+            <a:ln>
+              <a:solidFill>
+                <a:schemeClr val="tx1"/>
+              </a:solidFill>
+            </a:ln>
+          </p:spPr>
+          <p:style>
+            <a:lnRef idx="1">
+              <a:schemeClr val="accent1"/>
+            </a:lnRef>
+            <a:fillRef idx="0">
+              <a:schemeClr val="accent1"/>
+            </a:fillRef>
+            <a:effectRef idx="0">
+              <a:schemeClr val="accent1"/>
+            </a:effectRef>
+            <a:fontRef idx="minor">
+              <a:schemeClr val="tx1"/>
+            </a:fontRef>
+          </p:style>
+        </p:cxnSp>
+        <p:sp>
+          <p:nvSpPr>
+            <p:cNvPr id="76" name="평행 사변형 75">
+              <a:extLst>
+                <a:ext uri="{FF2B5EF4-FFF2-40B4-BE49-F238E27FC236}">
+                  <a16:creationId xmlns:a16="http://schemas.microsoft.com/office/drawing/2014/main" id="{B94B20FD-8904-B333-278E-17BA5C97BFBB}"/>
+                </a:ext>
+              </a:extLst>
+            </p:cNvPr>
+            <p:cNvSpPr/>
+            <p:nvPr/>
+          </p:nvSpPr>
+          <p:spPr>
+            <a:xfrm>
+              <a:off x="6304236" y="8071985"/>
+              <a:ext cx="1270455" cy="467168"/>
+            </a:xfrm>
+            <a:prstGeom prst="parallelogram">
+              <a:avLst>
+                <a:gd name="adj" fmla="val 28256"/>
+              </a:avLst>
+            </a:prstGeom>
+            <a:noFill/>
+            <a:ln>
+              <a:solidFill>
+                <a:schemeClr val="tx1"/>
+              </a:solidFill>
+            </a:ln>
+          </p:spPr>
+          <p:style>
+            <a:lnRef idx="2">
+              <a:schemeClr val="accent1">
+                <a:shade val="15000"/>
+              </a:schemeClr>
+            </a:lnRef>
+            <a:fillRef idx="1">
+              <a:schemeClr val="accent1"/>
+            </a:fillRef>
+            <a:effectRef idx="0">
+              <a:schemeClr val="accent1"/>
+            </a:effectRef>
+            <a:fontRef idx="minor">
+              <a:schemeClr val="lt1"/>
+            </a:fontRef>
+          </p:style>
+          <p:txBody>
+            <a:bodyPr rtlCol="0" anchor="ctr"/>
+            <a:lstStyle/>
+            <a:p>
+              <a:pPr algn="ctr">
+                <a:lnSpc>
+                  <a:spcPct val="120000"/>
+                </a:lnSpc>
+              </a:pPr>
+              <a:r>
+                <a:rPr lang="en-US" altLang="ko-KR" sz="900" dirty="0">
+                  <a:solidFill>
+                    <a:schemeClr val="tx1"/>
+                  </a:solidFill>
+                  <a:latin typeface="나눔바른고딕" panose="020B0603020101020101" pitchFamily="50" charset="-127"/>
+                  <a:ea typeface="나눔바른고딕" panose="020B0603020101020101" pitchFamily="50" charset="-127"/>
+                </a:rPr>
+                <a:t>Save model parameters</a:t>
+              </a:r>
+              <a:endParaRPr lang="ko-KR" altLang="en-US" sz="900" dirty="0">
+                <a:solidFill>
+                  <a:schemeClr val="tx1"/>
+                </a:solidFill>
+                <a:latin typeface="나눔바른고딕" panose="020B0603020101020101" pitchFamily="50" charset="-127"/>
+                <a:ea typeface="나눔바른고딕" panose="020B0603020101020101" pitchFamily="50" charset="-127"/>
+              </a:endParaRPr>
+            </a:p>
+          </p:txBody>
+        </p:sp>
+        <p:cxnSp>
+          <p:nvCxnSpPr>
+            <p:cNvPr id="77" name="직선 화살표 연결선 76">
+              <a:extLst>
+                <a:ext uri="{FF2B5EF4-FFF2-40B4-BE49-F238E27FC236}">
+                  <a16:creationId xmlns:a16="http://schemas.microsoft.com/office/drawing/2014/main" id="{BDCF775C-14B4-46B7-9E0D-29666C68CD73}"/>
+                </a:ext>
+              </a:extLst>
+            </p:cNvPr>
+            <p:cNvCxnSpPr>
+              <a:cxnSpLocks/>
+            </p:cNvCxnSpPr>
+            <p:nvPr/>
+          </p:nvCxnSpPr>
+          <p:spPr>
+            <a:xfrm>
+              <a:off x="6939463" y="1621154"/>
+              <a:ext cx="1" cy="190665"/>
+            </a:xfrm>
+            <a:prstGeom prst="straightConnector1">
+              <a:avLst/>
+            </a:prstGeom>
+            <a:ln>
+              <a:tailEnd type="triangle"/>
+            </a:ln>
+          </p:spPr>
+          <p:style>
+            <a:lnRef idx="1">
+              <a:schemeClr val="dk1"/>
+            </a:lnRef>
+            <a:fillRef idx="0">
+              <a:schemeClr val="dk1"/>
+            </a:fillRef>
+            <a:effectRef idx="0">
+              <a:schemeClr val="dk1"/>
+            </a:effectRef>
+            <a:fontRef idx="minor">
+              <a:schemeClr val="tx1"/>
+            </a:fontRef>
+          </p:style>
+        </p:cxnSp>
+        <p:cxnSp>
+          <p:nvCxnSpPr>
+            <p:cNvPr id="80" name="직선 화살표 연결선 79">
+              <a:extLst>
+                <a:ext uri="{FF2B5EF4-FFF2-40B4-BE49-F238E27FC236}">
+                  <a16:creationId xmlns:a16="http://schemas.microsoft.com/office/drawing/2014/main" id="{F1A3227B-89CC-ED1C-77DC-45FEDAC23BA2}"/>
+                </a:ext>
+              </a:extLst>
+            </p:cNvPr>
+            <p:cNvCxnSpPr>
+              <a:cxnSpLocks/>
+              <a:stCxn id="31" idx="2"/>
+              <a:endCxn id="57" idx="0"/>
+            </p:cNvCxnSpPr>
+            <p:nvPr/>
+          </p:nvCxnSpPr>
+          <p:spPr>
+            <a:xfrm>
+              <a:off x="6939464" y="2278987"/>
+              <a:ext cx="0" cy="161158"/>
+            </a:xfrm>
+            <a:prstGeom prst="straightConnector1">
+              <a:avLst/>
+            </a:prstGeom>
+            <a:ln>
+              <a:tailEnd type="triangle"/>
+            </a:ln>
+          </p:spPr>
+          <p:style>
+            <a:lnRef idx="1">
+              <a:schemeClr val="dk1"/>
+            </a:lnRef>
+            <a:fillRef idx="0">
+              <a:schemeClr val="dk1"/>
+            </a:fillRef>
+            <a:effectRef idx="0">
+              <a:schemeClr val="dk1"/>
+            </a:effectRef>
+            <a:fontRef idx="minor">
+              <a:schemeClr val="tx1"/>
+            </a:fontRef>
+          </p:style>
+        </p:cxnSp>
+        <p:cxnSp>
+          <p:nvCxnSpPr>
+            <p:cNvPr id="83" name="직선 화살표 연결선 82">
+              <a:extLst>
+                <a:ext uri="{FF2B5EF4-FFF2-40B4-BE49-F238E27FC236}">
+                  <a16:creationId xmlns:a16="http://schemas.microsoft.com/office/drawing/2014/main" id="{68F34955-FBA8-D6B4-4726-085CB3C80120}"/>
+                </a:ext>
+              </a:extLst>
+            </p:cNvPr>
+            <p:cNvCxnSpPr>
+              <a:cxnSpLocks/>
+              <a:stCxn id="57" idx="2"/>
+              <a:endCxn id="58" idx="0"/>
+            </p:cNvCxnSpPr>
+            <p:nvPr/>
+          </p:nvCxnSpPr>
+          <p:spPr>
+            <a:xfrm>
+              <a:off x="6939464" y="2907313"/>
+              <a:ext cx="0" cy="161158"/>
+            </a:xfrm>
+            <a:prstGeom prst="straightConnector1">
+              <a:avLst/>
+            </a:prstGeom>
+            <a:ln>
+              <a:tailEnd type="triangle"/>
+            </a:ln>
+          </p:spPr>
+          <p:style>
+            <a:lnRef idx="1">
+              <a:schemeClr val="dk1"/>
+            </a:lnRef>
+            <a:fillRef idx="0">
+              <a:schemeClr val="dk1"/>
+            </a:fillRef>
+            <a:effectRef idx="0">
+              <a:schemeClr val="dk1"/>
+            </a:effectRef>
+            <a:fontRef idx="minor">
+              <a:schemeClr val="tx1"/>
+            </a:fontRef>
+          </p:style>
+        </p:cxnSp>
+        <p:cxnSp>
+          <p:nvCxnSpPr>
+            <p:cNvPr id="87" name="직선 화살표 연결선 86">
+              <a:extLst>
+                <a:ext uri="{FF2B5EF4-FFF2-40B4-BE49-F238E27FC236}">
+                  <a16:creationId xmlns:a16="http://schemas.microsoft.com/office/drawing/2014/main" id="{E73E4E9C-C485-6764-9148-9463C40BA893}"/>
+                </a:ext>
+              </a:extLst>
+            </p:cNvPr>
+            <p:cNvCxnSpPr>
+              <a:cxnSpLocks/>
+              <a:stCxn id="58" idx="2"/>
+              <a:endCxn id="60" idx="0"/>
+            </p:cNvCxnSpPr>
+            <p:nvPr/>
+          </p:nvCxnSpPr>
+          <p:spPr>
+            <a:xfrm flipH="1">
+              <a:off x="6939463" y="3535639"/>
+              <a:ext cx="1" cy="161158"/>
+            </a:xfrm>
+            <a:prstGeom prst="straightConnector1">
+              <a:avLst/>
+            </a:prstGeom>
+            <a:ln>
+              <a:tailEnd type="triangle"/>
+            </a:ln>
+          </p:spPr>
+          <p:style>
+            <a:lnRef idx="1">
+              <a:schemeClr val="dk1"/>
+            </a:lnRef>
+            <a:fillRef idx="0">
+              <a:schemeClr val="dk1"/>
+            </a:fillRef>
+            <a:effectRef idx="0">
+              <a:schemeClr val="dk1"/>
+            </a:effectRef>
+            <a:fontRef idx="minor">
+              <a:schemeClr val="tx1"/>
+            </a:fontRef>
+          </p:style>
+        </p:cxnSp>
+        <p:cxnSp>
+          <p:nvCxnSpPr>
+            <p:cNvPr id="90" name="직선 화살표 연결선 89">
+              <a:extLst>
+                <a:ext uri="{FF2B5EF4-FFF2-40B4-BE49-F238E27FC236}">
+                  <a16:creationId xmlns:a16="http://schemas.microsoft.com/office/drawing/2014/main" id="{6BA18C50-86E4-CF91-2974-1FB5FED68B0E}"/>
+                </a:ext>
+              </a:extLst>
+            </p:cNvPr>
+            <p:cNvCxnSpPr>
+              <a:cxnSpLocks/>
+              <a:stCxn id="60" idx="2"/>
+              <a:endCxn id="59" idx="0"/>
+            </p:cNvCxnSpPr>
+            <p:nvPr/>
+          </p:nvCxnSpPr>
+          <p:spPr>
+            <a:xfrm>
+              <a:off x="6939463" y="4365709"/>
+              <a:ext cx="1" cy="161158"/>
+            </a:xfrm>
+            <a:prstGeom prst="straightConnector1">
+              <a:avLst/>
+            </a:prstGeom>
+            <a:ln>
+              <a:tailEnd type="triangle"/>
+            </a:ln>
+          </p:spPr>
+          <p:style>
+            <a:lnRef idx="1">
+              <a:schemeClr val="dk1"/>
+            </a:lnRef>
+            <a:fillRef idx="0">
+              <a:schemeClr val="dk1"/>
+            </a:fillRef>
+            <a:effectRef idx="0">
+              <a:schemeClr val="dk1"/>
+            </a:effectRef>
+            <a:fontRef idx="minor">
+              <a:schemeClr val="tx1"/>
+            </a:fontRef>
+          </p:style>
+        </p:cxnSp>
+        <p:cxnSp>
+          <p:nvCxnSpPr>
+            <p:cNvPr id="93" name="직선 화살표 연결선 92">
+              <a:extLst>
+                <a:ext uri="{FF2B5EF4-FFF2-40B4-BE49-F238E27FC236}">
+                  <a16:creationId xmlns:a16="http://schemas.microsoft.com/office/drawing/2014/main" id="{A32671F7-FF72-CC03-7642-8CDA26324A8E}"/>
+                </a:ext>
+              </a:extLst>
+            </p:cNvPr>
+            <p:cNvCxnSpPr>
+              <a:cxnSpLocks/>
+              <a:stCxn id="59" idx="2"/>
+              <a:endCxn id="64" idx="0"/>
+            </p:cNvCxnSpPr>
+            <p:nvPr/>
+          </p:nvCxnSpPr>
+          <p:spPr>
+            <a:xfrm>
+              <a:off x="6939464" y="4994035"/>
+              <a:ext cx="0" cy="161158"/>
+            </a:xfrm>
+            <a:prstGeom prst="straightConnector1">
+              <a:avLst/>
+            </a:prstGeom>
+            <a:ln>
+              <a:tailEnd type="triangle"/>
+            </a:ln>
+          </p:spPr>
+          <p:style>
+            <a:lnRef idx="1">
+              <a:schemeClr val="dk1"/>
+            </a:lnRef>
+            <a:fillRef idx="0">
+              <a:schemeClr val="dk1"/>
+            </a:fillRef>
+            <a:effectRef idx="0">
+              <a:schemeClr val="dk1"/>
+            </a:effectRef>
+            <a:fontRef idx="minor">
+              <a:schemeClr val="tx1"/>
+            </a:fontRef>
+          </p:style>
+        </p:cxnSp>
+        <p:cxnSp>
+          <p:nvCxnSpPr>
+            <p:cNvPr id="96" name="직선 화살표 연결선 95">
+              <a:extLst>
+                <a:ext uri="{FF2B5EF4-FFF2-40B4-BE49-F238E27FC236}">
+                  <a16:creationId xmlns:a16="http://schemas.microsoft.com/office/drawing/2014/main" id="{C32D97BC-A89C-2044-0C08-05C03EBDC44C}"/>
+                </a:ext>
+              </a:extLst>
+            </p:cNvPr>
+            <p:cNvCxnSpPr>
+              <a:cxnSpLocks/>
+              <a:stCxn id="64" idx="2"/>
+              <a:endCxn id="66" idx="0"/>
+            </p:cNvCxnSpPr>
+            <p:nvPr/>
+          </p:nvCxnSpPr>
+          <p:spPr>
+            <a:xfrm flipH="1">
+              <a:off x="6939463" y="5622361"/>
+              <a:ext cx="1" cy="161158"/>
+            </a:xfrm>
+            <a:prstGeom prst="straightConnector1">
+              <a:avLst/>
+            </a:prstGeom>
+            <a:ln>
+              <a:tailEnd type="triangle"/>
+            </a:ln>
+          </p:spPr>
+          <p:style>
+            <a:lnRef idx="1">
+              <a:schemeClr val="dk1"/>
+            </a:lnRef>
+            <a:fillRef idx="0">
+              <a:schemeClr val="dk1"/>
+            </a:fillRef>
+            <a:effectRef idx="0">
+              <a:schemeClr val="dk1"/>
+            </a:effectRef>
+            <a:fontRef idx="minor">
+              <a:schemeClr val="tx1"/>
+            </a:fontRef>
+          </p:style>
+        </p:cxnSp>
+        <p:cxnSp>
+          <p:nvCxnSpPr>
+            <p:cNvPr id="99" name="직선 화살표 연결선 98">
+              <a:extLst>
+                <a:ext uri="{FF2B5EF4-FFF2-40B4-BE49-F238E27FC236}">
+                  <a16:creationId xmlns:a16="http://schemas.microsoft.com/office/drawing/2014/main" id="{1F22CF85-4FFF-EC64-7C2B-2B2EC87C4EFE}"/>
+                </a:ext>
+              </a:extLst>
+            </p:cNvPr>
+            <p:cNvCxnSpPr>
+              <a:cxnSpLocks/>
+              <a:stCxn id="66" idx="2"/>
+              <a:endCxn id="70" idx="0"/>
+            </p:cNvCxnSpPr>
+            <p:nvPr/>
+          </p:nvCxnSpPr>
+          <p:spPr>
+            <a:xfrm>
+              <a:off x="6939463" y="6452431"/>
+              <a:ext cx="1" cy="161158"/>
+            </a:xfrm>
+            <a:prstGeom prst="straightConnector1">
+              <a:avLst/>
+            </a:prstGeom>
+            <a:ln>
+              <a:tailEnd type="triangle"/>
+            </a:ln>
+          </p:spPr>
+          <p:style>
+            <a:lnRef idx="1">
+              <a:schemeClr val="dk1"/>
+            </a:lnRef>
+            <a:fillRef idx="0">
+              <a:schemeClr val="dk1"/>
+            </a:fillRef>
+            <a:effectRef idx="0">
+              <a:schemeClr val="dk1"/>
+            </a:effectRef>
+            <a:fontRef idx="minor">
+              <a:schemeClr val="tx1"/>
+            </a:fontRef>
+          </p:style>
+        </p:cxnSp>
+        <p:cxnSp>
+          <p:nvCxnSpPr>
+            <p:cNvPr id="102" name="직선 화살표 연결선 101">
+              <a:extLst>
+                <a:ext uri="{FF2B5EF4-FFF2-40B4-BE49-F238E27FC236}">
+                  <a16:creationId xmlns:a16="http://schemas.microsoft.com/office/drawing/2014/main" id="{E8150642-747F-A7FF-E1B9-E031B4A6FDAA}"/>
+                </a:ext>
+              </a:extLst>
+            </p:cNvPr>
+            <p:cNvCxnSpPr>
+              <a:cxnSpLocks/>
+              <a:stCxn id="70" idx="2"/>
+              <a:endCxn id="71" idx="0"/>
+            </p:cNvCxnSpPr>
+            <p:nvPr/>
+          </p:nvCxnSpPr>
+          <p:spPr>
+            <a:xfrm flipH="1">
+              <a:off x="6939463" y="7080757"/>
+              <a:ext cx="1" cy="161158"/>
+            </a:xfrm>
+            <a:prstGeom prst="straightConnector1">
+              <a:avLst/>
+            </a:prstGeom>
+            <a:ln>
+              <a:tailEnd type="triangle"/>
+            </a:ln>
+          </p:spPr>
+          <p:style>
+            <a:lnRef idx="1">
+              <a:schemeClr val="dk1"/>
+            </a:lnRef>
+            <a:fillRef idx="0">
+              <a:schemeClr val="dk1"/>
+            </a:fillRef>
+            <a:effectRef idx="0">
+              <a:schemeClr val="dk1"/>
+            </a:effectRef>
+            <a:fontRef idx="minor">
+              <a:schemeClr val="tx1"/>
+            </a:fontRef>
+          </p:style>
+        </p:cxnSp>
+        <p:cxnSp>
+          <p:nvCxnSpPr>
+            <p:cNvPr id="105" name="직선 화살표 연결선 104">
+              <a:extLst>
+                <a:ext uri="{FF2B5EF4-FFF2-40B4-BE49-F238E27FC236}">
+                  <a16:creationId xmlns:a16="http://schemas.microsoft.com/office/drawing/2014/main" id="{CA453DE3-94CC-105A-CB32-E73DF4FA66BB}"/>
+                </a:ext>
+              </a:extLst>
+            </p:cNvPr>
+            <p:cNvCxnSpPr>
+              <a:cxnSpLocks/>
+              <a:stCxn id="71" idx="2"/>
+              <a:endCxn id="76" idx="0"/>
+            </p:cNvCxnSpPr>
+            <p:nvPr/>
+          </p:nvCxnSpPr>
+          <p:spPr>
+            <a:xfrm>
+              <a:off x="6939463" y="7910827"/>
+              <a:ext cx="1" cy="161158"/>
+            </a:xfrm>
+            <a:prstGeom prst="straightConnector1">
+              <a:avLst/>
+            </a:prstGeom>
+            <a:ln>
+              <a:tailEnd type="triangle"/>
+            </a:ln>
+          </p:spPr>
+          <p:style>
+            <a:lnRef idx="1">
+              <a:schemeClr val="dk1"/>
+            </a:lnRef>
+            <a:fillRef idx="0">
+              <a:schemeClr val="dk1"/>
+            </a:fillRef>
+            <a:effectRef idx="0">
+              <a:schemeClr val="dk1"/>
+            </a:effectRef>
+            <a:fontRef idx="minor">
+              <a:schemeClr val="tx1"/>
+            </a:fontRef>
+          </p:style>
+        </p:cxnSp>
+        <p:sp>
+          <p:nvSpPr>
+            <p:cNvPr id="108" name="순서도: 처리 107">
+              <a:extLst>
+                <a:ext uri="{FF2B5EF4-FFF2-40B4-BE49-F238E27FC236}">
+                  <a16:creationId xmlns:a16="http://schemas.microsoft.com/office/drawing/2014/main" id="{B6B7D966-A24E-A3A0-C4BB-D3DE9720924A}"/>
+                </a:ext>
+              </a:extLst>
+            </p:cNvPr>
+            <p:cNvSpPr/>
+            <p:nvPr/>
+          </p:nvSpPr>
+          <p:spPr>
+            <a:xfrm>
+              <a:off x="6839986" y="1535932"/>
+              <a:ext cx="587216" cy="303232"/>
+            </a:xfrm>
+            <a:prstGeom prst="flowChartProcess">
+              <a:avLst/>
+            </a:prstGeom>
+            <a:noFill/>
+            <a:ln>
+              <a:noFill/>
+            </a:ln>
+          </p:spPr>
+          <p:style>
+            <a:lnRef idx="2">
+              <a:schemeClr val="accent1">
+                <a:shade val="15000"/>
+              </a:schemeClr>
+            </a:lnRef>
+            <a:fillRef idx="1">
+              <a:schemeClr val="accent1"/>
+            </a:fillRef>
+            <a:effectRef idx="0">
+              <a:schemeClr val="accent1"/>
+            </a:effectRef>
+            <a:fontRef idx="minor">
+              <a:schemeClr val="lt1"/>
+            </a:fontRef>
+          </p:style>
+          <p:txBody>
+            <a:bodyPr rtlCol="0" anchor="ctr"/>
+            <a:lstStyle/>
+            <a:p>
+              <a:pPr algn="ctr">
+                <a:lnSpc>
+                  <a:spcPct val="120000"/>
+                </a:lnSpc>
+              </a:pPr>
+              <a:r>
+                <a:rPr lang="en-US" altLang="ko-KR" sz="900" b="1" dirty="0">
+                  <a:solidFill>
+                    <a:schemeClr val="tx1"/>
+                  </a:solidFill>
+                  <a:latin typeface="나눔바른고딕" panose="020B0603020101020101" pitchFamily="50" charset="-127"/>
+                  <a:ea typeface="나눔바른고딕" panose="020B0603020101020101" pitchFamily="50" charset="-127"/>
+                </a:rPr>
+                <a:t>Yes</a:t>
+              </a:r>
+              <a:endParaRPr lang="ko-KR" altLang="en-US" sz="900" b="1" dirty="0">
+                <a:solidFill>
+                  <a:schemeClr val="tx1"/>
+                </a:solidFill>
+                <a:latin typeface="나눔바른고딕" panose="020B0603020101020101" pitchFamily="50" charset="-127"/>
+                <a:ea typeface="나눔바른고딕" panose="020B0603020101020101" pitchFamily="50" charset="-127"/>
+              </a:endParaRPr>
+            </a:p>
+          </p:txBody>
+        </p:sp>
+        <p:sp>
+          <p:nvSpPr>
+            <p:cNvPr id="109" name="순서도: 처리 108">
+              <a:extLst>
+                <a:ext uri="{FF2B5EF4-FFF2-40B4-BE49-F238E27FC236}">
+                  <a16:creationId xmlns:a16="http://schemas.microsoft.com/office/drawing/2014/main" id="{2602C5DD-D269-EDD3-53DE-D0C4AF4D9444}"/>
+                </a:ext>
+              </a:extLst>
+            </p:cNvPr>
+            <p:cNvSpPr/>
+            <p:nvPr/>
+          </p:nvSpPr>
+          <p:spPr>
+            <a:xfrm>
+              <a:off x="6839986" y="4272855"/>
+              <a:ext cx="587216" cy="303232"/>
+            </a:xfrm>
+            <a:prstGeom prst="flowChartProcess">
+              <a:avLst/>
+            </a:prstGeom>
+            <a:noFill/>
+            <a:ln>
+              <a:noFill/>
+            </a:ln>
+          </p:spPr>
+          <p:style>
+            <a:lnRef idx="2">
+              <a:schemeClr val="accent1">
+                <a:shade val="15000"/>
+              </a:schemeClr>
+            </a:lnRef>
+            <a:fillRef idx="1">
+              <a:schemeClr val="accent1"/>
+            </a:fillRef>
+            <a:effectRef idx="0">
+              <a:schemeClr val="accent1"/>
+            </a:effectRef>
+            <a:fontRef idx="minor">
+              <a:schemeClr val="lt1"/>
+            </a:fontRef>
+          </p:style>
+          <p:txBody>
+            <a:bodyPr rtlCol="0" anchor="ctr"/>
+            <a:lstStyle/>
+            <a:p>
+              <a:pPr algn="ctr">
+                <a:lnSpc>
+                  <a:spcPct val="120000"/>
+                </a:lnSpc>
+              </a:pPr>
+              <a:r>
+                <a:rPr lang="en-US" altLang="ko-KR" sz="900" b="1" dirty="0">
+                  <a:solidFill>
+                    <a:schemeClr val="tx1"/>
+                  </a:solidFill>
+                  <a:latin typeface="나눔바른고딕" panose="020B0603020101020101" pitchFamily="50" charset="-127"/>
+                  <a:ea typeface="나눔바른고딕" panose="020B0603020101020101" pitchFamily="50" charset="-127"/>
+                </a:rPr>
+                <a:t>Yes</a:t>
+              </a:r>
+              <a:endParaRPr lang="ko-KR" altLang="en-US" sz="900" b="1" dirty="0">
+                <a:solidFill>
+                  <a:schemeClr val="tx1"/>
+                </a:solidFill>
+                <a:latin typeface="나눔바른고딕" panose="020B0603020101020101" pitchFamily="50" charset="-127"/>
+                <a:ea typeface="나눔바른고딕" panose="020B0603020101020101" pitchFamily="50" charset="-127"/>
+              </a:endParaRPr>
+            </a:p>
+          </p:txBody>
+        </p:sp>
+        <p:sp>
+          <p:nvSpPr>
+            <p:cNvPr id="110" name="순서도: 처리 109">
+              <a:extLst>
+                <a:ext uri="{FF2B5EF4-FFF2-40B4-BE49-F238E27FC236}">
+                  <a16:creationId xmlns:a16="http://schemas.microsoft.com/office/drawing/2014/main" id="{026A061A-5A20-D6C7-BD26-DD1AC7184B93}"/>
+                </a:ext>
+              </a:extLst>
+            </p:cNvPr>
+            <p:cNvSpPr/>
+            <p:nvPr/>
+          </p:nvSpPr>
+          <p:spPr>
+            <a:xfrm>
+              <a:off x="6839986" y="6390103"/>
+              <a:ext cx="587216" cy="250605"/>
+            </a:xfrm>
+            <a:prstGeom prst="flowChartProcess">
+              <a:avLst/>
+            </a:prstGeom>
+            <a:noFill/>
+            <a:ln>
+              <a:noFill/>
+            </a:ln>
+          </p:spPr>
+          <p:style>
+            <a:lnRef idx="2">
+              <a:schemeClr val="accent1">
+                <a:shade val="15000"/>
+              </a:schemeClr>
+            </a:lnRef>
+            <a:fillRef idx="1">
+              <a:schemeClr val="accent1"/>
+            </a:fillRef>
+            <a:effectRef idx="0">
+              <a:schemeClr val="accent1"/>
+            </a:effectRef>
+            <a:fontRef idx="minor">
+              <a:schemeClr val="lt1"/>
+            </a:fontRef>
+          </p:style>
+          <p:txBody>
+            <a:bodyPr rtlCol="0" anchor="ctr"/>
+            <a:lstStyle/>
+            <a:p>
+              <a:pPr algn="ctr">
+                <a:lnSpc>
+                  <a:spcPct val="120000"/>
+                </a:lnSpc>
+              </a:pPr>
+              <a:r>
+                <a:rPr lang="en-US" altLang="ko-KR" sz="900" b="1" dirty="0">
+                  <a:solidFill>
+                    <a:schemeClr val="tx1"/>
+                  </a:solidFill>
+                  <a:latin typeface="나눔바른고딕" panose="020B0603020101020101" pitchFamily="50" charset="-127"/>
+                  <a:ea typeface="나눔바른고딕" panose="020B0603020101020101" pitchFamily="50" charset="-127"/>
+                </a:rPr>
+                <a:t>Yes</a:t>
+              </a:r>
+              <a:endParaRPr lang="ko-KR" altLang="en-US" sz="900" b="1" dirty="0">
+                <a:solidFill>
+                  <a:schemeClr val="tx1"/>
+                </a:solidFill>
+                <a:latin typeface="나눔바른고딕" panose="020B0603020101020101" pitchFamily="50" charset="-127"/>
+                <a:ea typeface="나눔바른고딕" panose="020B0603020101020101" pitchFamily="50" charset="-127"/>
+              </a:endParaRPr>
+            </a:p>
+          </p:txBody>
+        </p:sp>
+        <p:sp>
+          <p:nvSpPr>
+            <p:cNvPr id="111" name="순서도: 처리 110">
+              <a:extLst>
+                <a:ext uri="{FF2B5EF4-FFF2-40B4-BE49-F238E27FC236}">
+                  <a16:creationId xmlns:a16="http://schemas.microsoft.com/office/drawing/2014/main" id="{2367A831-A7CC-8688-E3B4-91E1E8313651}"/>
+                </a:ext>
+              </a:extLst>
+            </p:cNvPr>
+            <p:cNvSpPr/>
+            <p:nvPr/>
+          </p:nvSpPr>
+          <p:spPr>
+            <a:xfrm>
+              <a:off x="6839986" y="7845622"/>
+              <a:ext cx="587216" cy="250605"/>
+            </a:xfrm>
+            <a:prstGeom prst="flowChartProcess">
+              <a:avLst/>
+            </a:prstGeom>
+            <a:noFill/>
+            <a:ln>
+              <a:noFill/>
+            </a:ln>
+          </p:spPr>
+          <p:style>
+            <a:lnRef idx="2">
+              <a:schemeClr val="accent1">
+                <a:shade val="15000"/>
+              </a:schemeClr>
+            </a:lnRef>
+            <a:fillRef idx="1">
+              <a:schemeClr val="accent1"/>
+            </a:fillRef>
+            <a:effectRef idx="0">
+              <a:schemeClr val="accent1"/>
+            </a:effectRef>
+            <a:fontRef idx="minor">
+              <a:schemeClr val="lt1"/>
+            </a:fontRef>
+          </p:style>
+          <p:txBody>
+            <a:bodyPr rtlCol="0" anchor="ctr"/>
+            <a:lstStyle/>
+            <a:p>
+              <a:pPr algn="ctr">
+                <a:lnSpc>
+                  <a:spcPct val="120000"/>
+                </a:lnSpc>
+              </a:pPr>
+              <a:r>
+                <a:rPr lang="en-US" altLang="ko-KR" sz="900" b="1" dirty="0">
+                  <a:solidFill>
+                    <a:schemeClr val="tx1"/>
+                  </a:solidFill>
+                  <a:latin typeface="나눔바른고딕" panose="020B0603020101020101" pitchFamily="50" charset="-127"/>
+                  <a:ea typeface="나눔바른고딕" panose="020B0603020101020101" pitchFamily="50" charset="-127"/>
+                </a:rPr>
+                <a:t>Yes</a:t>
+              </a:r>
+              <a:endParaRPr lang="ko-KR" altLang="en-US" sz="900" b="1" dirty="0">
+                <a:solidFill>
+                  <a:schemeClr val="tx1"/>
+                </a:solidFill>
+                <a:latin typeface="나눔바른고딕" panose="020B0603020101020101" pitchFamily="50" charset="-127"/>
+                <a:ea typeface="나눔바른고딕" panose="020B0603020101020101" pitchFamily="50" charset="-127"/>
+              </a:endParaRPr>
+            </a:p>
+          </p:txBody>
+        </p:sp>
+        <p:sp>
+          <p:nvSpPr>
+            <p:cNvPr id="112" name="순서도: 처리 111">
+              <a:extLst>
+                <a:ext uri="{FF2B5EF4-FFF2-40B4-BE49-F238E27FC236}">
+                  <a16:creationId xmlns:a16="http://schemas.microsoft.com/office/drawing/2014/main" id="{9137AD16-455E-22A2-8F98-367041A35458}"/>
+                </a:ext>
+              </a:extLst>
+            </p:cNvPr>
+            <p:cNvSpPr/>
+            <p:nvPr/>
+          </p:nvSpPr>
+          <p:spPr>
+            <a:xfrm>
+              <a:off x="5712072" y="7331006"/>
+              <a:ext cx="587216" cy="250605"/>
+            </a:xfrm>
+            <a:prstGeom prst="flowChartProcess">
+              <a:avLst/>
+            </a:prstGeom>
+            <a:noFill/>
+            <a:ln>
+              <a:noFill/>
+            </a:ln>
+          </p:spPr>
+          <p:style>
+            <a:lnRef idx="2">
+              <a:schemeClr val="accent1">
+                <a:shade val="15000"/>
+              </a:schemeClr>
+            </a:lnRef>
+            <a:fillRef idx="1">
+              <a:schemeClr val="accent1"/>
+            </a:fillRef>
+            <a:effectRef idx="0">
+              <a:schemeClr val="accent1"/>
+            </a:effectRef>
+            <a:fontRef idx="minor">
+              <a:schemeClr val="lt1"/>
+            </a:fontRef>
+          </p:style>
+          <p:txBody>
+            <a:bodyPr rtlCol="0" anchor="ctr"/>
+            <a:lstStyle/>
+            <a:p>
+              <a:pPr algn="ctr">
+                <a:lnSpc>
+                  <a:spcPct val="120000"/>
+                </a:lnSpc>
+              </a:pPr>
+              <a:r>
+                <a:rPr lang="en-US" altLang="ko-KR" sz="900" b="1" dirty="0">
+                  <a:solidFill>
+                    <a:schemeClr val="tx1"/>
+                  </a:solidFill>
+                  <a:latin typeface="나눔바른고딕" panose="020B0603020101020101" pitchFamily="50" charset="-127"/>
+                  <a:ea typeface="나눔바른고딕" panose="020B0603020101020101" pitchFamily="50" charset="-127"/>
+                </a:rPr>
+                <a:t>No</a:t>
+              </a:r>
+              <a:endParaRPr lang="ko-KR" altLang="en-US" sz="900" b="1" dirty="0">
+                <a:solidFill>
+                  <a:schemeClr val="tx1"/>
+                </a:solidFill>
+                <a:latin typeface="나눔바른고딕" panose="020B0603020101020101" pitchFamily="50" charset="-127"/>
+                <a:ea typeface="나눔바른고딕" panose="020B0603020101020101" pitchFamily="50" charset="-127"/>
+              </a:endParaRPr>
+            </a:p>
+          </p:txBody>
+        </p:sp>
+        <p:sp>
+          <p:nvSpPr>
+            <p:cNvPr id="113" name="순서도: 처리 112">
+              <a:extLst>
+                <a:ext uri="{FF2B5EF4-FFF2-40B4-BE49-F238E27FC236}">
+                  <a16:creationId xmlns:a16="http://schemas.microsoft.com/office/drawing/2014/main" id="{02BE0DD0-8BB2-D3D8-D094-9BC322F8F523}"/>
+                </a:ext>
+              </a:extLst>
+            </p:cNvPr>
+            <p:cNvSpPr/>
+            <p:nvPr/>
+          </p:nvSpPr>
+          <p:spPr>
+            <a:xfrm>
+              <a:off x="5712072" y="5869123"/>
+              <a:ext cx="587216" cy="250605"/>
+            </a:xfrm>
+            <a:prstGeom prst="flowChartProcess">
+              <a:avLst/>
+            </a:prstGeom>
+            <a:noFill/>
+            <a:ln>
+              <a:noFill/>
+            </a:ln>
+          </p:spPr>
+          <p:style>
+            <a:lnRef idx="2">
+              <a:schemeClr val="accent1">
+                <a:shade val="15000"/>
+              </a:schemeClr>
+            </a:lnRef>
+            <a:fillRef idx="1">
+              <a:schemeClr val="accent1"/>
+            </a:fillRef>
+            <a:effectRef idx="0">
+              <a:schemeClr val="accent1"/>
+            </a:effectRef>
+            <a:fontRef idx="minor">
+              <a:schemeClr val="lt1"/>
+            </a:fontRef>
+          </p:style>
+          <p:txBody>
+            <a:bodyPr rtlCol="0" anchor="ctr"/>
+            <a:lstStyle/>
+            <a:p>
+              <a:pPr algn="ctr">
+                <a:lnSpc>
+                  <a:spcPct val="120000"/>
+                </a:lnSpc>
+              </a:pPr>
+              <a:r>
+                <a:rPr lang="en-US" altLang="ko-KR" sz="900" b="1" dirty="0">
+                  <a:solidFill>
+                    <a:schemeClr val="tx1"/>
+                  </a:solidFill>
+                  <a:latin typeface="나눔바른고딕" panose="020B0603020101020101" pitchFamily="50" charset="-127"/>
+                  <a:ea typeface="나눔바른고딕" panose="020B0603020101020101" pitchFamily="50" charset="-127"/>
+                </a:rPr>
+                <a:t>No</a:t>
+              </a:r>
+              <a:endParaRPr lang="ko-KR" altLang="en-US" sz="900" b="1" dirty="0">
+                <a:solidFill>
+                  <a:schemeClr val="tx1"/>
+                </a:solidFill>
+                <a:latin typeface="나눔바른고딕" panose="020B0603020101020101" pitchFamily="50" charset="-127"/>
+                <a:ea typeface="나눔바른고딕" panose="020B0603020101020101" pitchFamily="50" charset="-127"/>
+              </a:endParaRPr>
+            </a:p>
+          </p:txBody>
+        </p:sp>
+        <p:sp>
+          <p:nvSpPr>
+            <p:cNvPr id="114" name="순서도: 처리 113">
+              <a:extLst>
+                <a:ext uri="{FF2B5EF4-FFF2-40B4-BE49-F238E27FC236}">
+                  <a16:creationId xmlns:a16="http://schemas.microsoft.com/office/drawing/2014/main" id="{BF81E7BD-7A82-1475-9B69-B1DBBFA826CF}"/>
+                </a:ext>
+              </a:extLst>
+            </p:cNvPr>
+            <p:cNvSpPr/>
+            <p:nvPr/>
+          </p:nvSpPr>
+          <p:spPr>
+            <a:xfrm>
+              <a:off x="5712072" y="3808920"/>
+              <a:ext cx="587216" cy="250605"/>
+            </a:xfrm>
+            <a:prstGeom prst="flowChartProcess">
+              <a:avLst/>
+            </a:prstGeom>
+            <a:noFill/>
+            <a:ln>
+              <a:noFill/>
+            </a:ln>
+          </p:spPr>
+          <p:style>
+            <a:lnRef idx="2">
+              <a:schemeClr val="accent1">
+                <a:shade val="15000"/>
+              </a:schemeClr>
+            </a:lnRef>
+            <a:fillRef idx="1">
+              <a:schemeClr val="accent1"/>
+            </a:fillRef>
+            <a:effectRef idx="0">
+              <a:schemeClr val="accent1"/>
+            </a:effectRef>
+            <a:fontRef idx="minor">
+              <a:schemeClr val="lt1"/>
+            </a:fontRef>
+          </p:style>
+          <p:txBody>
+            <a:bodyPr rtlCol="0" anchor="ctr"/>
+            <a:lstStyle/>
+            <a:p>
+              <a:pPr algn="ctr">
+                <a:lnSpc>
+                  <a:spcPct val="120000"/>
+                </a:lnSpc>
+              </a:pPr>
+              <a:r>
+                <a:rPr lang="en-US" altLang="ko-KR" sz="900" b="1" dirty="0">
+                  <a:solidFill>
+                    <a:schemeClr val="tx1"/>
+                  </a:solidFill>
+                  <a:latin typeface="나눔바른고딕" panose="020B0603020101020101" pitchFamily="50" charset="-127"/>
+                  <a:ea typeface="나눔바른고딕" panose="020B0603020101020101" pitchFamily="50" charset="-127"/>
+                </a:rPr>
+                <a:t>No</a:t>
+              </a:r>
+              <a:endParaRPr lang="ko-KR" altLang="en-US" sz="900" b="1" dirty="0">
+                <a:solidFill>
+                  <a:schemeClr val="tx1"/>
+                </a:solidFill>
+                <a:latin typeface="나눔바른고딕" panose="020B0603020101020101" pitchFamily="50" charset="-127"/>
+                <a:ea typeface="나눔바른고딕" panose="020B0603020101020101" pitchFamily="50" charset="-127"/>
+              </a:endParaRPr>
+            </a:p>
+          </p:txBody>
+        </p:sp>
+        <p:sp>
+          <p:nvSpPr>
+            <p:cNvPr id="115" name="순서도: 처리 114">
+              <a:extLst>
+                <a:ext uri="{FF2B5EF4-FFF2-40B4-BE49-F238E27FC236}">
+                  <a16:creationId xmlns:a16="http://schemas.microsoft.com/office/drawing/2014/main" id="{150C2568-7B95-32A5-84E7-DC6A8CD72015}"/>
+                </a:ext>
+              </a:extLst>
+            </p:cNvPr>
+            <p:cNvSpPr/>
+            <p:nvPr/>
+          </p:nvSpPr>
+          <p:spPr>
+            <a:xfrm>
+              <a:off x="5712072" y="1060523"/>
+              <a:ext cx="587216" cy="250605"/>
+            </a:xfrm>
+            <a:prstGeom prst="flowChartProcess">
+              <a:avLst/>
+            </a:prstGeom>
+            <a:noFill/>
+            <a:ln>
+              <a:noFill/>
+            </a:ln>
+          </p:spPr>
+          <p:style>
+            <a:lnRef idx="2">
+              <a:schemeClr val="accent1">
+                <a:shade val="15000"/>
+              </a:schemeClr>
+            </a:lnRef>
+            <a:fillRef idx="1">
+              <a:schemeClr val="accent1"/>
+            </a:fillRef>
+            <a:effectRef idx="0">
+              <a:schemeClr val="accent1"/>
+            </a:effectRef>
+            <a:fontRef idx="minor">
+              <a:schemeClr val="lt1"/>
+            </a:fontRef>
+          </p:style>
+          <p:txBody>
+            <a:bodyPr rtlCol="0" anchor="ctr"/>
+            <a:lstStyle/>
+            <a:p>
+              <a:pPr algn="ctr">
+                <a:lnSpc>
+                  <a:spcPct val="120000"/>
+                </a:lnSpc>
+              </a:pPr>
+              <a:r>
+                <a:rPr lang="en-US" altLang="ko-KR" sz="900" b="1" dirty="0">
+                  <a:solidFill>
+                    <a:schemeClr val="tx1"/>
+                  </a:solidFill>
+                  <a:latin typeface="나눔바른고딕" panose="020B0603020101020101" pitchFamily="50" charset="-127"/>
+                  <a:ea typeface="나눔바른고딕" panose="020B0603020101020101" pitchFamily="50" charset="-127"/>
+                </a:rPr>
+                <a:t>No</a:t>
+              </a:r>
+              <a:endParaRPr lang="ko-KR" altLang="en-US" sz="900" b="1" dirty="0">
+                <a:solidFill>
+                  <a:schemeClr val="tx1"/>
+                </a:solidFill>
+                <a:latin typeface="나눔바른고딕" panose="020B0603020101020101" pitchFamily="50" charset="-127"/>
+                <a:ea typeface="나눔바른고딕" panose="020B0603020101020101" pitchFamily="50" charset="-127"/>
+              </a:endParaRPr>
+            </a:p>
+          </p:txBody>
+        </p:sp>
+      </p:grpSp>
+    </p:spTree>
+    <p:extLst>
+      <p:ext uri="{BB962C8B-B14F-4D97-AF65-F5344CB8AC3E}">
+        <p14:creationId xmlns:p14="http://schemas.microsoft.com/office/powerpoint/2010/main" val="1871898653"/>
+      </p:ext>
+    </p:extLst>
+  </p:cSld>
+  <p:clrMapOvr>
+    <a:masterClrMapping/>
+  </p:clrMapOvr>
+</p:sld>
+</file>
+
+<file path=ppt/slides/slide3.xml><?xml version="1.0" encoding="utf-8"?>
 <p:sld xmlns:a="http://schemas.openxmlformats.org/drawingml/2006/main" xmlns:r="http://schemas.openxmlformats.org/officeDocument/2006/relationships" xmlns:p="http://schemas.openxmlformats.org/presentationml/2006/main">
   <p:cSld>
     <p:spTree>
@@ -6332,8 +9234,8 @@
           </a:p>
         </p:txBody>
       </p:sp>
-      <mc:AlternateContent xmlns:mc="http://schemas.openxmlformats.org/markup-compatibility/2006">
-        <mc:Choice xmlns:a14="http://schemas.microsoft.com/office/drawing/2010/main" Requires="a14">
+      <mc:AlternateContent xmlns:mc="http://schemas.openxmlformats.org/markup-compatibility/2006" xmlns:a14="http://schemas.microsoft.com/office/drawing/2010/main">
+        <mc:Choice Requires="a14">
           <p:sp>
             <p:nvSpPr>
               <p:cNvPr id="35" name="TextBox 34">
@@ -6362,6 +9264,7 @@
               </a:bodyPr>
               <a:lstStyle/>
               <a:p>
+                <a:pPr/>
                 <a14:m>
                   <m:oMathPara xmlns:m="http://schemas.openxmlformats.org/officeDocument/2006/math">
                     <m:oMathParaPr>
@@ -6403,7 +9306,7 @@
             </p:txBody>
           </p:sp>
         </mc:Choice>
-        <mc:Fallback>
+        <mc:Fallback xmlns="">
           <p:sp>
             <p:nvSpPr>
               <p:cNvPr id="35" name="TextBox 34">
@@ -6500,8 +9403,8 @@
           </a:p>
         </p:txBody>
       </p:sp>
-      <mc:AlternateContent xmlns:mc="http://schemas.openxmlformats.org/markup-compatibility/2006">
-        <mc:Choice xmlns:a14="http://schemas.microsoft.com/office/drawing/2010/main" Requires="a14">
+      <mc:AlternateContent xmlns:mc="http://schemas.openxmlformats.org/markup-compatibility/2006" xmlns:a14="http://schemas.microsoft.com/office/drawing/2010/main">
+        <mc:Choice Requires="a14">
           <p:sp>
             <p:nvSpPr>
               <p:cNvPr id="37" name="TextBox 36">
@@ -6530,6 +9433,7 @@
               </a:bodyPr>
               <a:lstStyle/>
               <a:p>
+                <a:pPr/>
                 <a14:m>
                   <m:oMathPara xmlns:m="http://schemas.openxmlformats.org/officeDocument/2006/math">
                     <m:oMathParaPr>
@@ -6552,16 +9456,7 @@
                         <a:rPr lang="en-US" altLang="ko-KR" b="0" i="0" smtClean="0">
                           <a:latin typeface="Cambria Math" panose="02040503050406030204" pitchFamily="18" charset="0"/>
                         </a:rPr>
-                        <m:t>ut</m:t>
-                      </m:r>
-                      <m:r>
-                        <m:rPr>
-                          <m:nor/>
-                        </m:rPr>
-                        <a:rPr lang="en-US" altLang="ko-KR" b="0" i="0" smtClean="0">
-                          <a:latin typeface="Cambria Math" panose="02040503050406030204" pitchFamily="18" charset="0"/>
-                        </a:rPr>
-                        <m:t>lier</m:t>
+                        <m:t>utlier</m:t>
                       </m:r>
                       <m:r>
                         <m:rPr>
@@ -6589,7 +9484,7 @@
             </p:txBody>
           </p:sp>
         </mc:Choice>
-        <mc:Fallback>
+        <mc:Fallback xmlns="">
           <p:sp>
             <p:nvSpPr>
               <p:cNvPr id="37" name="TextBox 36">
@@ -6647,7 +9542,7 @@
 </p:sld>
 </file>
 
-<file path=ppt/slides/slide3.xml><?xml version="1.0" encoding="utf-8"?>
+<file path=ppt/slides/slide4.xml><?xml version="1.0" encoding="utf-8"?>
 <p:sld xmlns:a="http://schemas.openxmlformats.org/drawingml/2006/main" xmlns:r="http://schemas.openxmlformats.org/officeDocument/2006/relationships" xmlns:p="http://schemas.openxmlformats.org/presentationml/2006/main">
   <p:cSld>
     <p:spTree>
@@ -9723,8 +12618,8 @@
             </a:p>
           </p:txBody>
         </p:sp>
-        <mc:AlternateContent xmlns:mc="http://schemas.openxmlformats.org/markup-compatibility/2006">
-          <mc:Choice xmlns:a14="http://schemas.microsoft.com/office/drawing/2010/main" Requires="a14">
+        <mc:AlternateContent xmlns:mc="http://schemas.openxmlformats.org/markup-compatibility/2006" xmlns:a14="http://schemas.microsoft.com/office/drawing/2010/main">
+          <mc:Choice Requires="a14">
             <p:sp>
               <p:nvSpPr>
                 <p:cNvPr id="47" name="TextBox 46">
@@ -9753,6 +12648,7 @@
                 </a:bodyPr>
                 <a:lstStyle/>
                 <a:p>
+                  <a:pPr/>
                   <a14:m>
                     <m:oMathPara xmlns:m="http://schemas.openxmlformats.org/officeDocument/2006/math">
                       <m:oMathParaPr>
@@ -9834,7 +12730,7 @@
               </p:txBody>
             </p:sp>
           </mc:Choice>
-          <mc:Fallback>
+          <mc:Fallback xmlns="">
             <p:sp>
               <p:nvSpPr>
                 <p:cNvPr id="47" name="TextBox 46">
@@ -9880,8 +12776,8 @@
           </mc:Fallback>
         </mc:AlternateContent>
       </p:grpSp>
-      <mc:AlternateContent xmlns:mc="http://schemas.openxmlformats.org/markup-compatibility/2006">
-        <mc:Choice xmlns:a14="http://schemas.microsoft.com/office/drawing/2010/main" Requires="a14">
+      <mc:AlternateContent xmlns:mc="http://schemas.openxmlformats.org/markup-compatibility/2006" xmlns:a14="http://schemas.microsoft.com/office/drawing/2010/main">
+        <mc:Choice Requires="a14">
           <p:sp>
             <p:nvSpPr>
               <p:cNvPr id="51" name="TextBox 50">
@@ -9910,6 +12806,7 @@
               </a:bodyPr>
               <a:lstStyle/>
               <a:p>
+                <a:pPr/>
                 <a14:m>
                   <m:oMathPara xmlns:m="http://schemas.openxmlformats.org/officeDocument/2006/math">
                     <m:oMathParaPr>
@@ -9960,7 +12857,7 @@
             </p:txBody>
           </p:sp>
         </mc:Choice>
-        <mc:Fallback>
+        <mc:Fallback xmlns="">
           <p:sp>
             <p:nvSpPr>
               <p:cNvPr id="51" name="TextBox 50">
@@ -10018,7 +12915,7 @@
 </p:sld>
 </file>
 
-<file path=ppt/slides/slide4.xml><?xml version="1.0" encoding="utf-8"?>
+<file path=ppt/slides/slide5.xml><?xml version="1.0" encoding="utf-8"?>
 <p:sld xmlns:a="http://schemas.openxmlformats.org/drawingml/2006/main" xmlns:r="http://schemas.openxmlformats.org/officeDocument/2006/relationships" xmlns:p="http://schemas.openxmlformats.org/presentationml/2006/main">
   <p:cSld>
     <p:spTree>
@@ -13017,8 +15914,8 @@
           </a:p>
         </p:txBody>
       </p:sp>
-      <mc:AlternateContent xmlns:mc="http://schemas.openxmlformats.org/markup-compatibility/2006">
-        <mc:Choice xmlns:a14="http://schemas.microsoft.com/office/drawing/2010/main" Requires="a14">
+      <mc:AlternateContent xmlns:mc="http://schemas.openxmlformats.org/markup-compatibility/2006" xmlns:a14="http://schemas.microsoft.com/office/drawing/2010/main">
+        <mc:Choice Requires="a14">
           <p:sp>
             <p:nvSpPr>
               <p:cNvPr id="38" name="TextBox 37">
@@ -13047,6 +15944,7 @@
               </a:bodyPr>
               <a:lstStyle/>
               <a:p>
+                <a:pPr/>
                 <a14:m>
                   <m:oMathPara xmlns:m="http://schemas.openxmlformats.org/officeDocument/2006/math">
                     <m:oMathParaPr>
@@ -13106,7 +16004,7 @@
             </p:txBody>
           </p:sp>
         </mc:Choice>
-        <mc:Fallback>
+        <mc:Fallback xmlns="">
           <p:sp>
             <p:nvSpPr>
               <p:cNvPr id="38" name="TextBox 37">
@@ -13151,8 +16049,8 @@
           </p:sp>
         </mc:Fallback>
       </mc:AlternateContent>
-      <mc:AlternateContent xmlns:mc="http://schemas.openxmlformats.org/markup-compatibility/2006">
-        <mc:Choice xmlns:a14="http://schemas.microsoft.com/office/drawing/2010/main" Requires="a14">
+      <mc:AlternateContent xmlns:mc="http://schemas.openxmlformats.org/markup-compatibility/2006" xmlns:a14="http://schemas.microsoft.com/office/drawing/2010/main">
+        <mc:Choice Requires="a14">
           <p:sp>
             <p:nvSpPr>
               <p:cNvPr id="39" name="TextBox 38">
@@ -13181,6 +16079,7 @@
               </a:bodyPr>
               <a:lstStyle/>
               <a:p>
+                <a:pPr/>
                 <a14:m>
                   <m:oMathPara xmlns:m="http://schemas.openxmlformats.org/officeDocument/2006/math">
                     <m:oMathParaPr>
@@ -13231,7 +16130,7 @@
             </p:txBody>
           </p:sp>
         </mc:Choice>
-        <mc:Fallback>
+        <mc:Fallback xmlns="">
           <p:sp>
             <p:nvSpPr>
               <p:cNvPr id="39" name="TextBox 38">
@@ -13395,7 +16294,7 @@
 </p:sld>
 </file>
 
-<file path=ppt/slides/slide5.xml><?xml version="1.0" encoding="utf-8"?>
+<file path=ppt/slides/slide6.xml><?xml version="1.0" encoding="utf-8"?>
 <p:sld xmlns:a="http://schemas.openxmlformats.org/drawingml/2006/main" xmlns:r="http://schemas.openxmlformats.org/officeDocument/2006/relationships" xmlns:p="http://schemas.openxmlformats.org/presentationml/2006/main">
   <p:cSld>
     <p:spTree>
@@ -16394,8 +19293,8 @@
           </a:p>
         </p:txBody>
       </p:sp>
-      <mc:AlternateContent xmlns:mc="http://schemas.openxmlformats.org/markup-compatibility/2006">
-        <mc:Choice xmlns:a14="http://schemas.microsoft.com/office/drawing/2010/main" Requires="a14">
+      <mc:AlternateContent xmlns:mc="http://schemas.openxmlformats.org/markup-compatibility/2006" xmlns:a14="http://schemas.microsoft.com/office/drawing/2010/main">
+        <mc:Choice Requires="a14">
           <p:sp>
             <p:nvSpPr>
               <p:cNvPr id="49" name="TextBox 48">
@@ -16424,6 +19323,7 @@
               </a:bodyPr>
               <a:lstStyle/>
               <a:p>
+                <a:pPr/>
                 <a14:m>
                   <m:oMathPara xmlns:m="http://schemas.openxmlformats.org/officeDocument/2006/math">
                     <m:oMathParaPr>
@@ -16483,7 +19383,7 @@
             </p:txBody>
           </p:sp>
         </mc:Choice>
-        <mc:Fallback>
+        <mc:Fallback xmlns="">
           <p:sp>
             <p:nvSpPr>
               <p:cNvPr id="49" name="TextBox 48">
@@ -16647,7 +19547,7 @@
 </p:sld>
 </file>
 
-<file path=ppt/slides/slide6.xml><?xml version="1.0" encoding="utf-8"?>
+<file path=ppt/slides/slide7.xml><?xml version="1.0" encoding="utf-8"?>
 <p:sld xmlns:a="http://schemas.openxmlformats.org/drawingml/2006/main" xmlns:r="http://schemas.openxmlformats.org/officeDocument/2006/relationships" xmlns:p="http://schemas.openxmlformats.org/presentationml/2006/main">
   <p:cSld>
     <p:spTree>
@@ -19646,8 +22546,8 @@
           </a:p>
         </p:txBody>
       </p:sp>
-      <mc:AlternateContent xmlns:mc="http://schemas.openxmlformats.org/markup-compatibility/2006">
-        <mc:Choice xmlns:a14="http://schemas.microsoft.com/office/drawing/2010/main" Requires="a14">
+      <mc:AlternateContent xmlns:mc="http://schemas.openxmlformats.org/markup-compatibility/2006" xmlns:a14="http://schemas.microsoft.com/office/drawing/2010/main">
+        <mc:Choice Requires="a14">
           <p:sp>
             <p:nvSpPr>
               <p:cNvPr id="39" name="TextBox 38">
@@ -19676,6 +22576,7 @@
               </a:bodyPr>
               <a:lstStyle/>
               <a:p>
+                <a:pPr/>
                 <a14:m>
                   <m:oMathPara xmlns:m="http://schemas.openxmlformats.org/officeDocument/2006/math">
                     <m:oMathParaPr>
@@ -19735,7 +22636,7 @@
             </p:txBody>
           </p:sp>
         </mc:Choice>
-        <mc:Fallback>
+        <mc:Fallback xmlns="">
           <p:sp>
             <p:nvSpPr>
               <p:cNvPr id="39" name="TextBox 38">
@@ -19899,7 +22800,7 @@
 </p:sld>
 </file>
 
-<file path=ppt/slides/slide7.xml><?xml version="1.0" encoding="utf-8"?>
+<file path=ppt/slides/slide8.xml><?xml version="1.0" encoding="utf-8"?>
 <p:sld xmlns:a="http://schemas.openxmlformats.org/drawingml/2006/main" xmlns:r="http://schemas.openxmlformats.org/officeDocument/2006/relationships" xmlns:p="http://schemas.openxmlformats.org/presentationml/2006/main">
   <p:cSld>
     <p:spTree>
@@ -22898,8 +25799,8 @@
           </a:p>
         </p:txBody>
       </p:sp>
-      <mc:AlternateContent xmlns:mc="http://schemas.openxmlformats.org/markup-compatibility/2006">
-        <mc:Choice xmlns:a14="http://schemas.microsoft.com/office/drawing/2010/main" Requires="a14">
+      <mc:AlternateContent xmlns:mc="http://schemas.openxmlformats.org/markup-compatibility/2006" xmlns:a14="http://schemas.microsoft.com/office/drawing/2010/main">
+        <mc:Choice Requires="a14">
           <p:sp>
             <p:nvSpPr>
               <p:cNvPr id="37" name="TextBox 36">
@@ -22928,6 +25829,7 @@
               </a:bodyPr>
               <a:lstStyle/>
               <a:p>
+                <a:pPr/>
                 <a14:m>
                   <m:oMathPara xmlns:m="http://schemas.openxmlformats.org/officeDocument/2006/math">
                     <m:oMathParaPr>
@@ -22987,7 +25889,7 @@
             </p:txBody>
           </p:sp>
         </mc:Choice>
-        <mc:Fallback>
+        <mc:Fallback xmlns="">
           <p:sp>
             <p:nvSpPr>
               <p:cNvPr id="37" name="TextBox 36">

--- a/assets/img/vision/concept/ransac/ransac.pptx
+++ b/assets/img/vision/concept/ransac/ransac.pptx
@@ -3758,7 +3758,7 @@
         </p:nvGrpSpPr>
         <p:grpSpPr>
           <a:xfrm>
-            <a:off x="5436864" y="-1267823"/>
+            <a:off x="5509436" y="-144285"/>
             <a:ext cx="2045616" cy="9531768"/>
             <a:chOff x="5712072" y="-992615"/>
             <a:chExt cx="2045616" cy="9531768"/>
@@ -3818,6 +3818,16 @@
                   <a:spcPct val="120000"/>
                 </a:lnSpc>
               </a:pPr>
+              <a:r>
+                <a:rPr lang="ko-KR" altLang="en-US" sz="900" dirty="0">
+                  <a:solidFill>
+                    <a:schemeClr val="tx1"/>
+                  </a:solidFill>
+                  <a:latin typeface="나눔바른고딕" panose="020B0603020101020101" pitchFamily="50" charset="-127"/>
+                  <a:ea typeface="나눔바른고딕" panose="020B0603020101020101" pitchFamily="50" charset="-127"/>
+                </a:rPr>
+                <a:t>① </a:t>
+              </a:r>
               <a:r>
                 <a:rPr lang="en-US" altLang="ko-KR" sz="900" dirty="0">
                   <a:solidFill>
@@ -3890,6 +3900,16 @@
                   <a:spcPct val="120000"/>
                 </a:lnSpc>
               </a:pPr>
+              <a:r>
+                <a:rPr lang="ko-KR" altLang="en-US" sz="900" dirty="0">
+                  <a:solidFill>
+                    <a:schemeClr val="tx1"/>
+                  </a:solidFill>
+                  <a:latin typeface="나눔바른고딕" panose="020B0603020101020101" pitchFamily="50" charset="-127"/>
+                  <a:ea typeface="나눔바른고딕" panose="020B0603020101020101" pitchFamily="50" charset="-127"/>
+                </a:rPr>
+                <a:t>② </a:t>
+              </a:r>
               <a:r>
                 <a:rPr lang="en-US" altLang="ko-KR" sz="900" dirty="0">
                   <a:solidFill>
@@ -3980,6 +4000,16 @@
                 </a:lnSpc>
               </a:pPr>
               <a:r>
+                <a:rPr lang="ko-KR" altLang="en-US" sz="900" dirty="0">
+                  <a:solidFill>
+                    <a:schemeClr val="tx1"/>
+                  </a:solidFill>
+                  <a:latin typeface="나눔바른고딕" panose="020B0603020101020101" pitchFamily="50" charset="-127"/>
+                  <a:ea typeface="나눔바른고딕" panose="020B0603020101020101" pitchFamily="50" charset="-127"/>
+                </a:rPr>
+                <a:t>③ </a:t>
+              </a:r>
+              <a:r>
                 <a:rPr lang="en-US" altLang="ko-KR" sz="900" dirty="0">
                   <a:solidFill>
                     <a:schemeClr val="tx1"/>
@@ -4069,7 +4099,17 @@
                 </a:lnSpc>
               </a:pPr>
               <a:r>
-                <a:rPr lang="en-US" altLang="ko-KR" sz="900" dirty="0">
+                <a:rPr lang="ko-KR" altLang="en-US" sz="900" dirty="0">
+                  <a:solidFill>
+                    <a:schemeClr val="tx1"/>
+                  </a:solidFill>
+                  <a:latin typeface="나눔바른고딕" panose="020B0603020101020101" pitchFamily="50" charset="-127"/>
+                  <a:ea typeface="나눔바른고딕" panose="020B0603020101020101" pitchFamily="50" charset="-127"/>
+                </a:rPr>
+                <a:t>⑤ </a:t>
+              </a:r>
+              <a:r>
+                <a:rPr lang="en-US" altLang="ko-KR" sz="800" dirty="0">
                   <a:solidFill>
                     <a:schemeClr val="tx1"/>
                   </a:solidFill>
@@ -4086,7 +4126,7 @@
                 </a:lnSpc>
               </a:pPr>
               <a:r>
-                <a:rPr lang="en-US" altLang="ko-KR" sz="900" dirty="0">
+                <a:rPr lang="en-US" altLang="ko-KR" sz="800" dirty="0">
                   <a:solidFill>
                     <a:schemeClr val="tx1"/>
                   </a:solidFill>
@@ -4095,7 +4135,7 @@
                 </a:rPr>
                 <a:t>within inliers</a:t>
               </a:r>
-              <a:endParaRPr lang="ko-KR" altLang="en-US" sz="900" dirty="0">
+              <a:endParaRPr lang="ko-KR" altLang="en-US" sz="800" dirty="0">
                 <a:solidFill>
                   <a:schemeClr val="tx1"/>
                 </a:solidFill>
@@ -4158,7 +4198,17 @@
                 </a:lnSpc>
               </a:pPr>
               <a:r>
-                <a:rPr lang="en-US" altLang="ko-KR" sz="900" dirty="0">
+                <a:rPr lang="ko-KR" altLang="en-US" sz="900" dirty="0">
+                  <a:solidFill>
+                    <a:schemeClr val="tx1"/>
+                  </a:solidFill>
+                  <a:latin typeface="나눔바른고딕" panose="020B0603020101020101" pitchFamily="50" charset="-127"/>
+                  <a:ea typeface="나눔바른고딕" panose="020B0603020101020101" pitchFamily="50" charset="-127"/>
+                </a:rPr>
+                <a:t>④ </a:t>
+              </a:r>
+              <a:r>
+                <a:rPr lang="en-US" altLang="ko-KR" sz="800" dirty="0">
                   <a:solidFill>
                     <a:schemeClr val="tx1"/>
                   </a:solidFill>
@@ -4175,7 +4225,7 @@
                 </a:lnSpc>
               </a:pPr>
               <a:r>
-                <a:rPr lang="en-US" altLang="ko-KR" sz="900" dirty="0">
+                <a:rPr lang="en-US" altLang="ko-KR" sz="800" dirty="0">
                   <a:solidFill>
                     <a:schemeClr val="tx1"/>
                   </a:solidFill>
@@ -4184,7 +4234,7 @@
                 </a:rPr>
                 <a:t>Inliers ?</a:t>
               </a:r>
-              <a:endParaRPr lang="ko-KR" altLang="en-US" sz="900" dirty="0">
+              <a:endParaRPr lang="ko-KR" altLang="en-US" sz="800" dirty="0">
                 <a:solidFill>
                   <a:schemeClr val="tx1"/>
                 </a:solidFill>
@@ -4498,6 +4548,16 @@
                 </a:lnSpc>
               </a:pPr>
               <a:r>
+                <a:rPr lang="ko-KR" altLang="en-US" sz="900" dirty="0">
+                  <a:solidFill>
+                    <a:schemeClr val="tx1"/>
+                  </a:solidFill>
+                  <a:latin typeface="나눔바른고딕" panose="020B0603020101020101" pitchFamily="50" charset="-127"/>
+                  <a:ea typeface="나눔바른고딕" panose="020B0603020101020101" pitchFamily="50" charset="-127"/>
+                </a:rPr>
+                <a:t>⑥ </a:t>
+              </a:r>
+              <a:r>
                 <a:rPr lang="en-US" altLang="ko-KR" sz="900" dirty="0">
                   <a:solidFill>
                     <a:schemeClr val="tx1"/>
@@ -4587,6 +4647,16 @@
                 </a:lnSpc>
               </a:pPr>
               <a:r>
+                <a:rPr lang="ko-KR" altLang="en-US" sz="900" dirty="0">
+                  <a:solidFill>
+                    <a:schemeClr val="tx1"/>
+                  </a:solidFill>
+                  <a:latin typeface="나눔바른고딕" panose="020B0603020101020101" pitchFamily="50" charset="-127"/>
+                  <a:ea typeface="나눔바른고딕" panose="020B0603020101020101" pitchFamily="50" charset="-127"/>
+                </a:rPr>
+                <a:t>⑦ </a:t>
+              </a:r>
+              <a:r>
                 <a:rPr lang="en-US" altLang="ko-KR" sz="900" dirty="0">
                   <a:solidFill>
                     <a:schemeClr val="tx1"/>
@@ -4658,6 +4728,16 @@
                   <a:spcPct val="120000"/>
                 </a:lnSpc>
               </a:pPr>
+              <a:r>
+                <a:rPr lang="ko-KR" altLang="en-US" sz="900" dirty="0">
+                  <a:solidFill>
+                    <a:schemeClr val="tx1"/>
+                  </a:solidFill>
+                  <a:latin typeface="나눔바른고딕" panose="020B0603020101020101" pitchFamily="50" charset="-127"/>
+                  <a:ea typeface="나눔바른고딕" panose="020B0603020101020101" pitchFamily="50" charset="-127"/>
+                </a:rPr>
+                <a:t>⑨ </a:t>
+              </a:r>
               <a:r>
                 <a:rPr lang="en-US" altLang="ko-KR" sz="900" dirty="0">
                   <a:solidFill>
@@ -4748,7 +4828,17 @@
                 </a:lnSpc>
               </a:pPr>
               <a:r>
-                <a:rPr lang="en-US" altLang="ko-KR" sz="900" dirty="0">
+                <a:rPr lang="ko-KR" altLang="en-US" sz="900" dirty="0">
+                  <a:solidFill>
+                    <a:schemeClr val="tx1"/>
+                  </a:solidFill>
+                  <a:latin typeface="나눔바른고딕" panose="020B0603020101020101" pitchFamily="50" charset="-127"/>
+                  <a:ea typeface="나눔바른고딕" panose="020B0603020101020101" pitchFamily="50" charset="-127"/>
+                </a:rPr>
+                <a:t>⑧ </a:t>
+              </a:r>
+              <a:r>
+                <a:rPr lang="en-US" altLang="ko-KR" sz="800" dirty="0">
                   <a:solidFill>
                     <a:schemeClr val="tx1"/>
                   </a:solidFill>
@@ -4765,7 +4855,7 @@
                 </a:lnSpc>
               </a:pPr>
               <a:r>
-                <a:rPr lang="en-US" altLang="ko-KR" sz="900" dirty="0">
+                <a:rPr lang="en-US" altLang="ko-KR" sz="800" dirty="0">
                   <a:solidFill>
                     <a:schemeClr val="tx1"/>
                   </a:solidFill>
@@ -4774,7 +4864,7 @@
                 </a:rPr>
                 <a:t>Inliers ?</a:t>
               </a:r>
-              <a:endParaRPr lang="ko-KR" altLang="en-US" sz="900" dirty="0">
+              <a:endParaRPr lang="ko-KR" altLang="en-US" sz="800" dirty="0">
                 <a:solidFill>
                   <a:schemeClr val="tx1"/>
                 </a:solidFill>
@@ -4881,6 +4971,16 @@
                 </a:lnSpc>
               </a:pPr>
               <a:r>
+                <a:rPr lang="ko-KR" altLang="en-US" sz="900" dirty="0">
+                  <a:solidFill>
+                    <a:schemeClr val="tx1"/>
+                  </a:solidFill>
+                  <a:latin typeface="나눔바른고딕" panose="020B0603020101020101" pitchFamily="50" charset="-127"/>
+                  <a:ea typeface="나눔바른고딕" panose="020B0603020101020101" pitchFamily="50" charset="-127"/>
+                </a:rPr>
+                <a:t>⑩ </a:t>
+              </a:r>
+              <a:r>
                 <a:rPr lang="en-US" altLang="ko-KR" sz="900" dirty="0">
                   <a:solidFill>
                     <a:schemeClr val="tx1"/>
@@ -4953,7 +5053,17 @@
                 </a:lnSpc>
               </a:pPr>
               <a:r>
-                <a:rPr lang="en-US" altLang="ko-KR" sz="900" dirty="0">
+                <a:rPr lang="ko-KR" altLang="en-US" sz="900" dirty="0">
+                  <a:solidFill>
+                    <a:schemeClr val="tx1"/>
+                  </a:solidFill>
+                  <a:latin typeface="나눔바른고딕" panose="020B0603020101020101" pitchFamily="50" charset="-127"/>
+                  <a:ea typeface="나눔바른고딕" panose="020B0603020101020101" pitchFamily="50" charset="-127"/>
+                </a:rPr>
+                <a:t>⑪ </a:t>
+              </a:r>
+              <a:r>
+                <a:rPr lang="en-US" altLang="ko-KR" sz="800" dirty="0">
                   <a:solidFill>
                     <a:schemeClr val="tx1"/>
                   </a:solidFill>
@@ -4970,7 +5080,7 @@
                 </a:lnSpc>
               </a:pPr>
               <a:r>
-                <a:rPr lang="en-US" altLang="ko-KR" sz="900" dirty="0">
+                <a:rPr lang="en-US" altLang="ko-KR" sz="800" dirty="0">
                   <a:solidFill>
                     <a:schemeClr val="tx1"/>
                   </a:solidFill>
@@ -4979,7 +5089,7 @@
                 </a:rPr>
                 <a:t>Inliers ?</a:t>
               </a:r>
-              <a:endParaRPr lang="ko-KR" altLang="en-US" sz="900" dirty="0">
+              <a:endParaRPr lang="ko-KR" altLang="en-US" sz="800" dirty="0">
                 <a:solidFill>
                   <a:schemeClr val="tx1"/>
                 </a:solidFill>
@@ -5086,6 +5196,16 @@
                 </a:lnSpc>
               </a:pPr>
               <a:r>
+                <a:rPr lang="ko-KR" altLang="en-US" sz="900" dirty="0">
+                  <a:solidFill>
+                    <a:schemeClr val="tx1"/>
+                  </a:solidFill>
+                  <a:latin typeface="나눔바른고딕" panose="020B0603020101020101" pitchFamily="50" charset="-127"/>
+                  <a:ea typeface="나눔바른고딕" panose="020B0603020101020101" pitchFamily="50" charset="-127"/>
+                </a:rPr>
+                <a:t>⑫ </a:t>
+              </a:r>
+              <a:r>
                 <a:rPr lang="en-US" altLang="ko-KR" sz="900" dirty="0">
                   <a:solidFill>
                     <a:schemeClr val="tx1"/>
@@ -5175,7 +5295,17 @@
                 </a:lnSpc>
               </a:pPr>
               <a:r>
-                <a:rPr lang="en-US" altLang="ko-KR" sz="900" dirty="0">
+                <a:rPr lang="ko-KR" altLang="en-US" sz="900" dirty="0">
+                  <a:solidFill>
+                    <a:schemeClr val="tx1"/>
+                  </a:solidFill>
+                  <a:latin typeface="나눔바른고딕" panose="020B0603020101020101" pitchFamily="50" charset="-127"/>
+                  <a:ea typeface="나눔바른고딕" panose="020B0603020101020101" pitchFamily="50" charset="-127"/>
+                </a:rPr>
+                <a:t>⑬ </a:t>
+              </a:r>
+              <a:r>
+                <a:rPr lang="en-US" altLang="ko-KR" sz="700" dirty="0">
                   <a:solidFill>
                     <a:schemeClr val="tx1"/>
                   </a:solidFill>
@@ -5184,7 +5314,7 @@
                 </a:rPr>
                 <a:t>N iterations ?</a:t>
               </a:r>
-              <a:endParaRPr lang="ko-KR" altLang="en-US" sz="900" dirty="0">
+              <a:endParaRPr lang="ko-KR" altLang="en-US" sz="700" dirty="0">
                 <a:solidFill>
                   <a:schemeClr val="tx1"/>
                 </a:solidFill>
@@ -5292,6 +5422,16 @@
                   <a:spcPct val="120000"/>
                 </a:lnSpc>
               </a:pPr>
+              <a:r>
+                <a:rPr lang="ko-KR" altLang="en-US" sz="900" dirty="0">
+                  <a:solidFill>
+                    <a:schemeClr val="tx1"/>
+                  </a:solidFill>
+                  <a:latin typeface="나눔바른고딕" panose="020B0603020101020101" pitchFamily="50" charset="-127"/>
+                  <a:ea typeface="나눔바른고딕" panose="020B0603020101020101" pitchFamily="50" charset="-127"/>
+                </a:rPr>
+                <a:t>⑭ </a:t>
+              </a:r>
               <a:r>
                 <a:rPr lang="en-US" altLang="ko-KR" sz="900" dirty="0">
                   <a:solidFill>

--- a/assets/img/vision/concept/ransac/ransac.pptx
+++ b/assets/img/vision/concept/ransac/ransac.pptx
@@ -13,6 +13,9 @@
     <p:sldId id="263" r:id="rId7"/>
     <p:sldId id="261" r:id="rId8"/>
     <p:sldId id="264" r:id="rId9"/>
+    <p:sldId id="267" r:id="rId10"/>
+    <p:sldId id="268" r:id="rId11"/>
+    <p:sldId id="269" r:id="rId12"/>
   </p:sldIdLst>
   <p:sldSz cx="12192000" cy="6858000"/>
   <p:notesSz cx="6858000" cy="9144000"/>
@@ -3413,6 +3416,764 @@
 </p:sld>
 </file>
 
+<file path=ppt/slides/slide10.xml><?xml version="1.0" encoding="utf-8"?>
+<p:sld xmlns:a="http://schemas.openxmlformats.org/drawingml/2006/main" xmlns:r="http://schemas.openxmlformats.org/officeDocument/2006/relationships" xmlns:p="http://schemas.openxmlformats.org/presentationml/2006/main">
+  <p:cSld>
+    <p:spTree>
+      <p:nvGrpSpPr>
+        <p:cNvPr id="1" name=""/>
+        <p:cNvGrpSpPr/>
+        <p:nvPr/>
+      </p:nvGrpSpPr>
+      <p:grpSpPr>
+        <a:xfrm>
+          <a:off x="0" y="0"/>
+          <a:ext cx="0" cy="0"/>
+          <a:chOff x="0" y="0"/>
+          <a:chExt cx="0" cy="0"/>
+        </a:xfrm>
+      </p:grpSpPr>
+      <p:grpSp>
+        <p:nvGrpSpPr>
+          <p:cNvPr id="21" name="그룹 20">
+            <a:extLst>
+              <a:ext uri="{FF2B5EF4-FFF2-40B4-BE49-F238E27FC236}">
+                <a16:creationId xmlns:a16="http://schemas.microsoft.com/office/drawing/2014/main" id="{1CB40F18-A21E-1B23-A9BC-3900BAB5D2AD}"/>
+              </a:ext>
+            </a:extLst>
+          </p:cNvPr>
+          <p:cNvGrpSpPr/>
+          <p:nvPr/>
+        </p:nvGrpSpPr>
+        <p:grpSpPr>
+          <a:xfrm>
+            <a:off x="836076" y="933450"/>
+            <a:ext cx="10519848" cy="4506226"/>
+            <a:chOff x="1157287" y="247650"/>
+            <a:chExt cx="10519848" cy="4506226"/>
+          </a:xfrm>
+        </p:grpSpPr>
+        <p:pic>
+          <p:nvPicPr>
+            <p:cNvPr id="9" name="그림 8">
+              <a:extLst>
+                <a:ext uri="{FF2B5EF4-FFF2-40B4-BE49-F238E27FC236}">
+                  <a16:creationId xmlns:a16="http://schemas.microsoft.com/office/drawing/2014/main" id="{D4325CD8-F172-58F0-9D93-D599CAC21C23}"/>
+                </a:ext>
+              </a:extLst>
+            </p:cNvPr>
+            <p:cNvPicPr>
+              <a:picLocks noChangeAspect="1"/>
+            </p:cNvPicPr>
+            <p:nvPr/>
+          </p:nvPicPr>
+          <p:blipFill rotWithShape="1">
+            <a:blip r:embed="rId2"/>
+            <a:srcRect l="9540" t="8753" r="56418" b="71806"/>
+            <a:stretch/>
+          </p:blipFill>
+          <p:spPr>
+            <a:xfrm>
+              <a:off x="1157288" y="247650"/>
+              <a:ext cx="3081337" cy="1333243"/>
+            </a:xfrm>
+            <a:prstGeom prst="rect">
+              <a:avLst/>
+            </a:prstGeom>
+          </p:spPr>
+        </p:pic>
+        <p:pic>
+          <p:nvPicPr>
+            <p:cNvPr id="11" name="그림 10">
+              <a:extLst>
+                <a:ext uri="{FF2B5EF4-FFF2-40B4-BE49-F238E27FC236}">
+                  <a16:creationId xmlns:a16="http://schemas.microsoft.com/office/drawing/2014/main" id="{A8597897-5CDC-0848-65CC-7E0CC09C8511}"/>
+                </a:ext>
+              </a:extLst>
+            </p:cNvPr>
+            <p:cNvPicPr>
+              <a:picLocks noChangeAspect="1"/>
+            </p:cNvPicPr>
+            <p:nvPr/>
+          </p:nvPicPr>
+          <p:blipFill rotWithShape="1">
+            <a:blip r:embed="rId3"/>
+            <a:srcRect l="17295" t="9602" r="19818" b="48057"/>
+            <a:stretch/>
+          </p:blipFill>
+          <p:spPr>
+            <a:xfrm>
+              <a:off x="9412889" y="2525154"/>
+              <a:ext cx="2264246" cy="1116614"/>
+            </a:xfrm>
+            <a:prstGeom prst="rect">
+              <a:avLst/>
+            </a:prstGeom>
+          </p:spPr>
+        </p:pic>
+        <p:pic>
+          <p:nvPicPr>
+            <p:cNvPr id="13" name="그림 12">
+              <a:extLst>
+                <a:ext uri="{FF2B5EF4-FFF2-40B4-BE49-F238E27FC236}">
+                  <a16:creationId xmlns:a16="http://schemas.microsoft.com/office/drawing/2014/main" id="{F0F10A00-08E1-C6CF-5609-B0AE8BDD3665}"/>
+                </a:ext>
+              </a:extLst>
+            </p:cNvPr>
+            <p:cNvPicPr>
+              <a:picLocks noChangeAspect="1"/>
+            </p:cNvPicPr>
+            <p:nvPr/>
+          </p:nvPicPr>
+          <p:blipFill rotWithShape="1">
+            <a:blip r:embed="rId2"/>
+            <a:srcRect l="59865" t="8753" r="6095" b="68330"/>
+            <a:stretch/>
+          </p:blipFill>
+          <p:spPr>
+            <a:xfrm>
+              <a:off x="5204125" y="247650"/>
+              <a:ext cx="3081337" cy="1571626"/>
+            </a:xfrm>
+            <a:prstGeom prst="rect">
+              <a:avLst/>
+            </a:prstGeom>
+          </p:spPr>
+        </p:pic>
+        <p:pic>
+          <p:nvPicPr>
+            <p:cNvPr id="14" name="그림 13">
+              <a:extLst>
+                <a:ext uri="{FF2B5EF4-FFF2-40B4-BE49-F238E27FC236}">
+                  <a16:creationId xmlns:a16="http://schemas.microsoft.com/office/drawing/2014/main" id="{7BD74B16-44B1-2CA3-AA38-AEA2021FA502}"/>
+                </a:ext>
+              </a:extLst>
+            </p:cNvPr>
+            <p:cNvPicPr>
+              <a:picLocks noChangeAspect="1"/>
+            </p:cNvPicPr>
+            <p:nvPr/>
+          </p:nvPicPr>
+          <p:blipFill rotWithShape="1">
+            <a:blip r:embed="rId2"/>
+            <a:srcRect l="9466" t="62538" r="56494" b="5030"/>
+            <a:stretch/>
+          </p:blipFill>
+          <p:spPr>
+            <a:xfrm>
+              <a:off x="1157287" y="2529660"/>
+              <a:ext cx="3081337" cy="2224216"/>
+            </a:xfrm>
+            <a:prstGeom prst="rect">
+              <a:avLst/>
+            </a:prstGeom>
+          </p:spPr>
+        </p:pic>
+        <p:pic>
+          <p:nvPicPr>
+            <p:cNvPr id="15" name="그림 14">
+              <a:extLst>
+                <a:ext uri="{FF2B5EF4-FFF2-40B4-BE49-F238E27FC236}">
+                  <a16:creationId xmlns:a16="http://schemas.microsoft.com/office/drawing/2014/main" id="{188BE487-F129-F10D-8599-1B235FBE519A}"/>
+                </a:ext>
+              </a:extLst>
+            </p:cNvPr>
+            <p:cNvPicPr>
+              <a:picLocks noChangeAspect="1"/>
+            </p:cNvPicPr>
+            <p:nvPr/>
+          </p:nvPicPr>
+          <p:blipFill rotWithShape="1">
+            <a:blip r:embed="rId2"/>
+            <a:srcRect l="59837" t="62538" r="6123" b="5030"/>
+            <a:stretch/>
+          </p:blipFill>
+          <p:spPr>
+            <a:xfrm>
+              <a:off x="5204125" y="2529660"/>
+              <a:ext cx="3081337" cy="2224216"/>
+            </a:xfrm>
+            <a:prstGeom prst="rect">
+              <a:avLst/>
+            </a:prstGeom>
+          </p:spPr>
+        </p:pic>
+        <p:sp>
+          <p:nvSpPr>
+            <p:cNvPr id="17" name="화살표: 오른쪽 16">
+              <a:extLst>
+                <a:ext uri="{FF2B5EF4-FFF2-40B4-BE49-F238E27FC236}">
+                  <a16:creationId xmlns:a16="http://schemas.microsoft.com/office/drawing/2014/main" id="{253AC7CD-EC08-D168-1B7A-1C9DB7154C19}"/>
+                </a:ext>
+              </a:extLst>
+            </p:cNvPr>
+            <p:cNvSpPr/>
+            <p:nvPr/>
+          </p:nvSpPr>
+          <p:spPr>
+            <a:xfrm>
+              <a:off x="4483507" y="518854"/>
+              <a:ext cx="475735" cy="605481"/>
+            </a:xfrm>
+            <a:prstGeom prst="rightArrow">
+              <a:avLst/>
+            </a:prstGeom>
+          </p:spPr>
+          <p:style>
+            <a:lnRef idx="1">
+              <a:schemeClr val="accent1"/>
+            </a:lnRef>
+            <a:fillRef idx="2">
+              <a:schemeClr val="accent1"/>
+            </a:fillRef>
+            <a:effectRef idx="1">
+              <a:schemeClr val="accent1"/>
+            </a:effectRef>
+            <a:fontRef idx="minor">
+              <a:schemeClr val="dk1"/>
+            </a:fontRef>
+          </p:style>
+          <p:txBody>
+            <a:bodyPr rtlCol="0" anchor="ctr"/>
+            <a:lstStyle/>
+            <a:p>
+              <a:pPr algn="ctr"/>
+              <a:endParaRPr lang="ko-KR" altLang="en-US"/>
+            </a:p>
+          </p:txBody>
+        </p:sp>
+        <p:sp>
+          <p:nvSpPr>
+            <p:cNvPr id="18" name="화살표: 오른쪽 17">
+              <a:extLst>
+                <a:ext uri="{FF2B5EF4-FFF2-40B4-BE49-F238E27FC236}">
+                  <a16:creationId xmlns:a16="http://schemas.microsoft.com/office/drawing/2014/main" id="{3AD0B880-3062-5A12-957D-D880ACC126D9}"/>
+                </a:ext>
+              </a:extLst>
+            </p:cNvPr>
+            <p:cNvSpPr/>
+            <p:nvPr/>
+          </p:nvSpPr>
+          <p:spPr>
+            <a:xfrm>
+              <a:off x="8530345" y="518853"/>
+              <a:ext cx="475735" cy="605481"/>
+            </a:xfrm>
+            <a:prstGeom prst="rightArrow">
+              <a:avLst/>
+            </a:prstGeom>
+          </p:spPr>
+          <p:style>
+            <a:lnRef idx="1">
+              <a:schemeClr val="accent1"/>
+            </a:lnRef>
+            <a:fillRef idx="2">
+              <a:schemeClr val="accent1"/>
+            </a:fillRef>
+            <a:effectRef idx="1">
+              <a:schemeClr val="accent1"/>
+            </a:effectRef>
+            <a:fontRef idx="minor">
+              <a:schemeClr val="dk1"/>
+            </a:fontRef>
+          </p:style>
+          <p:txBody>
+            <a:bodyPr rtlCol="0" anchor="ctr"/>
+            <a:lstStyle/>
+            <a:p>
+              <a:pPr algn="ctr"/>
+              <a:endParaRPr lang="ko-KR" altLang="en-US"/>
+            </a:p>
+          </p:txBody>
+        </p:sp>
+        <p:sp>
+          <p:nvSpPr>
+            <p:cNvPr id="19" name="화살표: 오른쪽 18">
+              <a:extLst>
+                <a:ext uri="{FF2B5EF4-FFF2-40B4-BE49-F238E27FC236}">
+                  <a16:creationId xmlns:a16="http://schemas.microsoft.com/office/drawing/2014/main" id="{0987B69B-D05E-7E2D-2F04-2546FC61EDA1}"/>
+                </a:ext>
+              </a:extLst>
+            </p:cNvPr>
+            <p:cNvSpPr/>
+            <p:nvPr/>
+          </p:nvSpPr>
+          <p:spPr>
+            <a:xfrm>
+              <a:off x="4483507" y="2785226"/>
+              <a:ext cx="475735" cy="605481"/>
+            </a:xfrm>
+            <a:prstGeom prst="rightArrow">
+              <a:avLst/>
+            </a:prstGeom>
+          </p:spPr>
+          <p:style>
+            <a:lnRef idx="1">
+              <a:schemeClr val="accent1"/>
+            </a:lnRef>
+            <a:fillRef idx="2">
+              <a:schemeClr val="accent1"/>
+            </a:fillRef>
+            <a:effectRef idx="1">
+              <a:schemeClr val="accent1"/>
+            </a:effectRef>
+            <a:fontRef idx="minor">
+              <a:schemeClr val="dk1"/>
+            </a:fontRef>
+          </p:style>
+          <p:txBody>
+            <a:bodyPr rtlCol="0" anchor="ctr"/>
+            <a:lstStyle/>
+            <a:p>
+              <a:pPr algn="ctr"/>
+              <a:endParaRPr lang="ko-KR" altLang="en-US"/>
+            </a:p>
+          </p:txBody>
+        </p:sp>
+        <p:sp>
+          <p:nvSpPr>
+            <p:cNvPr id="20" name="화살표: 오른쪽 19">
+              <a:extLst>
+                <a:ext uri="{FF2B5EF4-FFF2-40B4-BE49-F238E27FC236}">
+                  <a16:creationId xmlns:a16="http://schemas.microsoft.com/office/drawing/2014/main" id="{A99FB598-C6AB-6294-12B4-EDEC18E6CB11}"/>
+                </a:ext>
+              </a:extLst>
+            </p:cNvPr>
+            <p:cNvSpPr/>
+            <p:nvPr/>
+          </p:nvSpPr>
+          <p:spPr>
+            <a:xfrm>
+              <a:off x="8530345" y="2785226"/>
+              <a:ext cx="475735" cy="605481"/>
+            </a:xfrm>
+            <a:prstGeom prst="rightArrow">
+              <a:avLst/>
+            </a:prstGeom>
+          </p:spPr>
+          <p:style>
+            <a:lnRef idx="1">
+              <a:schemeClr val="accent1"/>
+            </a:lnRef>
+            <a:fillRef idx="2">
+              <a:schemeClr val="accent1"/>
+            </a:fillRef>
+            <a:effectRef idx="1">
+              <a:schemeClr val="accent1"/>
+            </a:effectRef>
+            <a:fontRef idx="minor">
+              <a:schemeClr val="dk1"/>
+            </a:fontRef>
+          </p:style>
+          <p:txBody>
+            <a:bodyPr rtlCol="0" anchor="ctr"/>
+            <a:lstStyle/>
+            <a:p>
+              <a:pPr algn="ctr"/>
+              <a:endParaRPr lang="ko-KR" altLang="en-US"/>
+            </a:p>
+          </p:txBody>
+        </p:sp>
+      </p:grpSp>
+    </p:spTree>
+    <p:extLst>
+      <p:ext uri="{BB962C8B-B14F-4D97-AF65-F5344CB8AC3E}">
+        <p14:creationId xmlns:p14="http://schemas.microsoft.com/office/powerpoint/2010/main" val="3853836037"/>
+      </p:ext>
+    </p:extLst>
+  </p:cSld>
+  <p:clrMapOvr>
+    <a:masterClrMapping/>
+  </p:clrMapOvr>
+</p:sld>
+</file>
+
+<file path=ppt/slides/slide11.xml><?xml version="1.0" encoding="utf-8"?>
+<p:sld xmlns:a="http://schemas.openxmlformats.org/drawingml/2006/main" xmlns:r="http://schemas.openxmlformats.org/officeDocument/2006/relationships" xmlns:p="http://schemas.openxmlformats.org/presentationml/2006/main">
+  <p:cSld>
+    <p:spTree>
+      <p:nvGrpSpPr>
+        <p:cNvPr id="1" name=""/>
+        <p:cNvGrpSpPr/>
+        <p:nvPr/>
+      </p:nvGrpSpPr>
+      <p:grpSpPr>
+        <a:xfrm>
+          <a:off x="0" y="0"/>
+          <a:ext cx="0" cy="0"/>
+          <a:chOff x="0" y="0"/>
+          <a:chExt cx="0" cy="0"/>
+        </a:xfrm>
+      </p:grpSpPr>
+      <p:grpSp>
+        <p:nvGrpSpPr>
+          <p:cNvPr id="13" name="그룹 12">
+            <a:extLst>
+              <a:ext uri="{FF2B5EF4-FFF2-40B4-BE49-F238E27FC236}">
+                <a16:creationId xmlns:a16="http://schemas.microsoft.com/office/drawing/2014/main" id="{AAB1EA50-6704-C06F-D0A4-691AC7412DD8}"/>
+              </a:ext>
+            </a:extLst>
+          </p:cNvPr>
+          <p:cNvGrpSpPr/>
+          <p:nvPr/>
+        </p:nvGrpSpPr>
+        <p:grpSpPr>
+          <a:xfrm>
+            <a:off x="-666052" y="1769718"/>
+            <a:ext cx="13524104" cy="3028140"/>
+            <a:chOff x="117389" y="2406091"/>
+            <a:chExt cx="13524104" cy="3028140"/>
+          </a:xfrm>
+        </p:grpSpPr>
+        <p:pic>
+          <p:nvPicPr>
+            <p:cNvPr id="5" name="그림 4">
+              <a:extLst>
+                <a:ext uri="{FF2B5EF4-FFF2-40B4-BE49-F238E27FC236}">
+                  <a16:creationId xmlns:a16="http://schemas.microsoft.com/office/drawing/2014/main" id="{79F57D8F-C66A-C256-04AF-8A9FB7A54270}"/>
+                </a:ext>
+              </a:extLst>
+            </p:cNvPr>
+            <p:cNvPicPr>
+              <a:picLocks noChangeAspect="1"/>
+            </p:cNvPicPr>
+            <p:nvPr/>
+          </p:nvPicPr>
+          <p:blipFill rotWithShape="1">
+            <a:blip r:embed="rId2"/>
+            <a:srcRect l="5242" t="8919" r="56838" b="54775"/>
+            <a:stretch/>
+          </p:blipFill>
+          <p:spPr>
+            <a:xfrm>
+              <a:off x="117389" y="2406091"/>
+              <a:ext cx="3688492" cy="2489888"/>
+            </a:xfrm>
+            <a:prstGeom prst="rect">
+              <a:avLst/>
+            </a:prstGeom>
+          </p:spPr>
+        </p:pic>
+        <p:pic>
+          <p:nvPicPr>
+            <p:cNvPr id="6" name="그림 5">
+              <a:extLst>
+                <a:ext uri="{FF2B5EF4-FFF2-40B4-BE49-F238E27FC236}">
+                  <a16:creationId xmlns:a16="http://schemas.microsoft.com/office/drawing/2014/main" id="{BF863CCC-7605-CE5B-0527-D88C3C4A78D7}"/>
+                </a:ext>
+              </a:extLst>
+            </p:cNvPr>
+            <p:cNvPicPr>
+              <a:picLocks noChangeAspect="1"/>
+            </p:cNvPicPr>
+            <p:nvPr/>
+          </p:nvPicPr>
+          <p:blipFill rotWithShape="1">
+            <a:blip r:embed="rId2"/>
+            <a:srcRect l="56056" t="8919" r="6024" b="54775"/>
+            <a:stretch/>
+          </p:blipFill>
+          <p:spPr>
+            <a:xfrm>
+              <a:off x="5010664" y="2406091"/>
+              <a:ext cx="3688492" cy="2489888"/>
+            </a:xfrm>
+            <a:prstGeom prst="rect">
+              <a:avLst/>
+            </a:prstGeom>
+          </p:spPr>
+        </p:pic>
+        <p:pic>
+          <p:nvPicPr>
+            <p:cNvPr id="7" name="그림 6">
+              <a:extLst>
+                <a:ext uri="{FF2B5EF4-FFF2-40B4-BE49-F238E27FC236}">
+                  <a16:creationId xmlns:a16="http://schemas.microsoft.com/office/drawing/2014/main" id="{1236A156-631B-C8F3-3D87-1B089F784ABB}"/>
+                </a:ext>
+              </a:extLst>
+            </p:cNvPr>
+            <p:cNvPicPr>
+              <a:picLocks noChangeAspect="1"/>
+            </p:cNvPicPr>
+            <p:nvPr/>
+          </p:nvPicPr>
+          <p:blipFill rotWithShape="1">
+            <a:blip r:embed="rId2"/>
+            <a:srcRect l="5257" t="58756" r="56823" b="4938"/>
+            <a:stretch/>
+          </p:blipFill>
+          <p:spPr>
+            <a:xfrm>
+              <a:off x="9903940" y="2406091"/>
+              <a:ext cx="3688492" cy="2489888"/>
+            </a:xfrm>
+            <a:prstGeom prst="rect">
+              <a:avLst/>
+            </a:prstGeom>
+          </p:spPr>
+        </p:pic>
+        <p:sp>
+          <p:nvSpPr>
+            <p:cNvPr id="8" name="화살표: 오른쪽 7">
+              <a:extLst>
+                <a:ext uri="{FF2B5EF4-FFF2-40B4-BE49-F238E27FC236}">
+                  <a16:creationId xmlns:a16="http://schemas.microsoft.com/office/drawing/2014/main" id="{90755F3C-722D-72D7-FC73-231DB42CDD11}"/>
+                </a:ext>
+              </a:extLst>
+            </p:cNvPr>
+            <p:cNvSpPr/>
+            <p:nvPr/>
+          </p:nvSpPr>
+          <p:spPr>
+            <a:xfrm>
+              <a:off x="4170405" y="3348294"/>
+              <a:ext cx="475735" cy="605481"/>
+            </a:xfrm>
+            <a:prstGeom prst="rightArrow">
+              <a:avLst/>
+            </a:prstGeom>
+          </p:spPr>
+          <p:style>
+            <a:lnRef idx="1">
+              <a:schemeClr val="accent1"/>
+            </a:lnRef>
+            <a:fillRef idx="2">
+              <a:schemeClr val="accent1"/>
+            </a:fillRef>
+            <a:effectRef idx="1">
+              <a:schemeClr val="accent1"/>
+            </a:effectRef>
+            <a:fontRef idx="minor">
+              <a:schemeClr val="dk1"/>
+            </a:fontRef>
+          </p:style>
+          <p:txBody>
+            <a:bodyPr rtlCol="0" anchor="ctr"/>
+            <a:lstStyle/>
+            <a:p>
+              <a:pPr algn="ctr"/>
+              <a:endParaRPr lang="ko-KR" altLang="en-US"/>
+            </a:p>
+          </p:txBody>
+        </p:sp>
+        <p:sp>
+          <p:nvSpPr>
+            <p:cNvPr id="9" name="화살표: 오른쪽 8">
+              <a:extLst>
+                <a:ext uri="{FF2B5EF4-FFF2-40B4-BE49-F238E27FC236}">
+                  <a16:creationId xmlns:a16="http://schemas.microsoft.com/office/drawing/2014/main" id="{B7735628-DAEF-D752-963F-4F8A7AB86EDF}"/>
+                </a:ext>
+              </a:extLst>
+            </p:cNvPr>
+            <p:cNvSpPr/>
+            <p:nvPr/>
+          </p:nvSpPr>
+          <p:spPr>
+            <a:xfrm>
+              <a:off x="9063680" y="3348294"/>
+              <a:ext cx="475735" cy="605481"/>
+            </a:xfrm>
+            <a:prstGeom prst="rightArrow">
+              <a:avLst/>
+            </a:prstGeom>
+          </p:spPr>
+          <p:style>
+            <a:lnRef idx="1">
+              <a:schemeClr val="accent1"/>
+            </a:lnRef>
+            <a:fillRef idx="2">
+              <a:schemeClr val="accent1"/>
+            </a:fillRef>
+            <a:effectRef idx="1">
+              <a:schemeClr val="accent1"/>
+            </a:effectRef>
+            <a:fontRef idx="minor">
+              <a:schemeClr val="dk1"/>
+            </a:fontRef>
+          </p:style>
+          <p:txBody>
+            <a:bodyPr rtlCol="0" anchor="ctr"/>
+            <a:lstStyle/>
+            <a:p>
+              <a:pPr algn="ctr"/>
+              <a:endParaRPr lang="ko-KR" altLang="en-US"/>
+            </a:p>
+          </p:txBody>
+        </p:sp>
+        <p:sp>
+          <p:nvSpPr>
+            <p:cNvPr id="10" name="TextBox 9">
+              <a:extLst>
+                <a:ext uri="{FF2B5EF4-FFF2-40B4-BE49-F238E27FC236}">
+                  <a16:creationId xmlns:a16="http://schemas.microsoft.com/office/drawing/2014/main" id="{762DFEAD-412F-18ED-2A79-4A41F01FCC12}"/>
+                </a:ext>
+              </a:extLst>
+            </p:cNvPr>
+            <p:cNvSpPr txBox="1"/>
+            <p:nvPr/>
+          </p:nvSpPr>
+          <p:spPr>
+            <a:xfrm>
+              <a:off x="943087" y="5053913"/>
+              <a:ext cx="2037096" cy="369332"/>
+            </a:xfrm>
+            <a:prstGeom prst="rect">
+              <a:avLst/>
+            </a:prstGeom>
+            <a:noFill/>
+          </p:spPr>
+          <p:txBody>
+            <a:bodyPr wrap="none" rtlCol="0">
+              <a:spAutoFit/>
+            </a:bodyPr>
+            <a:lstStyle/>
+            <a:p>
+              <a:r>
+                <a:rPr lang="en-US" altLang="ko-KR">
+                  <a:latin typeface="나눔바른고딕" panose="020B0603020101020101" pitchFamily="50" charset="-127"/>
+                  <a:ea typeface="나눔바른고딕" panose="020B0603020101020101" pitchFamily="50" charset="-127"/>
+                </a:rPr>
+                <a:t>Feature Point </a:t>
+              </a:r>
+              <a:r>
+                <a:rPr lang="ko-KR" altLang="en-US" dirty="0">
+                  <a:latin typeface="나눔바른고딕" panose="020B0603020101020101" pitchFamily="50" charset="-127"/>
+                  <a:ea typeface="나눔바른고딕" panose="020B0603020101020101" pitchFamily="50" charset="-127"/>
+                </a:rPr>
+                <a:t>추출</a:t>
+              </a:r>
+            </a:p>
+          </p:txBody>
+        </p:sp>
+        <p:sp>
+          <p:nvSpPr>
+            <p:cNvPr id="11" name="TextBox 10">
+              <a:extLst>
+                <a:ext uri="{FF2B5EF4-FFF2-40B4-BE49-F238E27FC236}">
+                  <a16:creationId xmlns:a16="http://schemas.microsoft.com/office/drawing/2014/main" id="{EF923EFF-4FDF-4FF0-186F-CBE18D31A284}"/>
+                </a:ext>
+              </a:extLst>
+            </p:cNvPr>
+            <p:cNvSpPr txBox="1"/>
+            <p:nvPr/>
+          </p:nvSpPr>
+          <p:spPr>
+            <a:xfrm>
+              <a:off x="5836362" y="5064899"/>
+              <a:ext cx="2024978" cy="369332"/>
+            </a:xfrm>
+            <a:prstGeom prst="rect">
+              <a:avLst/>
+            </a:prstGeom>
+            <a:noFill/>
+          </p:spPr>
+          <p:txBody>
+            <a:bodyPr wrap="none" rtlCol="0">
+              <a:spAutoFit/>
+            </a:bodyPr>
+            <a:lstStyle/>
+            <a:p>
+              <a:r>
+                <a:rPr lang="en-US" altLang="ko-KR" dirty="0">
+                  <a:latin typeface="나눔바른고딕" panose="020B0603020101020101" pitchFamily="50" charset="-127"/>
+                  <a:ea typeface="나눔바른고딕" panose="020B0603020101020101" pitchFamily="50" charset="-127"/>
+                </a:rPr>
+                <a:t>Feature Matching</a:t>
+              </a:r>
+              <a:endParaRPr lang="ko-KR" altLang="en-US" dirty="0">
+                <a:latin typeface="나눔바른고딕" panose="020B0603020101020101" pitchFamily="50" charset="-127"/>
+                <a:ea typeface="나눔바른고딕" panose="020B0603020101020101" pitchFamily="50" charset="-127"/>
+              </a:endParaRPr>
+            </a:p>
+          </p:txBody>
+        </p:sp>
+        <p:sp>
+          <p:nvSpPr>
+            <p:cNvPr id="12" name="TextBox 11">
+              <a:extLst>
+                <a:ext uri="{FF2B5EF4-FFF2-40B4-BE49-F238E27FC236}">
+                  <a16:creationId xmlns:a16="http://schemas.microsoft.com/office/drawing/2014/main" id="{C423673B-0E8C-C862-228B-11D31D27D99F}"/>
+                </a:ext>
+              </a:extLst>
+            </p:cNvPr>
+            <p:cNvSpPr txBox="1"/>
+            <p:nvPr/>
+          </p:nvSpPr>
+          <p:spPr>
+            <a:xfrm>
+              <a:off x="9854879" y="5064899"/>
+              <a:ext cx="3786614" cy="369332"/>
+            </a:xfrm>
+            <a:prstGeom prst="rect">
+              <a:avLst/>
+            </a:prstGeom>
+            <a:noFill/>
+          </p:spPr>
+          <p:txBody>
+            <a:bodyPr wrap="none" rtlCol="0">
+              <a:spAutoFit/>
+            </a:bodyPr>
+            <a:lstStyle/>
+            <a:p>
+              <a:r>
+                <a:rPr lang="en-US" altLang="ko-KR" dirty="0">
+                  <a:latin typeface="나눔바른고딕" panose="020B0603020101020101" pitchFamily="50" charset="-127"/>
+                  <a:ea typeface="나눔바른고딕" panose="020B0603020101020101" pitchFamily="50" charset="-127"/>
+                </a:rPr>
+                <a:t>Inlier(</a:t>
+              </a:r>
+              <a:r>
+                <a:rPr lang="ko-KR" altLang="en-US" dirty="0">
+                  <a:latin typeface="나눔바른고딕" panose="020B0603020101020101" pitchFamily="50" charset="-127"/>
+                  <a:ea typeface="나눔바른고딕" panose="020B0603020101020101" pitchFamily="50" charset="-127"/>
+                </a:rPr>
+                <a:t>초록색</a:t>
+              </a:r>
+              <a:r>
+                <a:rPr lang="en-US" altLang="ko-KR" dirty="0">
+                  <a:latin typeface="나눔바른고딕" panose="020B0603020101020101" pitchFamily="50" charset="-127"/>
+                  <a:ea typeface="나눔바른고딕" panose="020B0603020101020101" pitchFamily="50" charset="-127"/>
+                </a:rPr>
+                <a:t>) / Outlier (</a:t>
+              </a:r>
+              <a:r>
+                <a:rPr lang="ko-KR" altLang="en-US" dirty="0">
+                  <a:latin typeface="나눔바른고딕" panose="020B0603020101020101" pitchFamily="50" charset="-127"/>
+                  <a:ea typeface="나눔바른고딕" panose="020B0603020101020101" pitchFamily="50" charset="-127"/>
+                </a:rPr>
+                <a:t>빨간색</a:t>
+              </a:r>
+              <a:r>
+                <a:rPr lang="en-US" altLang="ko-KR" dirty="0">
+                  <a:latin typeface="나눔바른고딕" panose="020B0603020101020101" pitchFamily="50" charset="-127"/>
+                  <a:ea typeface="나눔바른고딕" panose="020B0603020101020101" pitchFamily="50" charset="-127"/>
+                </a:rPr>
+                <a:t>) </a:t>
+              </a:r>
+              <a:r>
+                <a:rPr lang="ko-KR" altLang="en-US" dirty="0">
+                  <a:latin typeface="나눔바른고딕" panose="020B0603020101020101" pitchFamily="50" charset="-127"/>
+                  <a:ea typeface="나눔바른고딕" panose="020B0603020101020101" pitchFamily="50" charset="-127"/>
+                </a:rPr>
+                <a:t>분리</a:t>
+              </a:r>
+            </a:p>
+          </p:txBody>
+        </p:sp>
+      </p:grpSp>
+    </p:spTree>
+    <p:extLst>
+      <p:ext uri="{BB962C8B-B14F-4D97-AF65-F5344CB8AC3E}">
+        <p14:creationId xmlns:p14="http://schemas.microsoft.com/office/powerpoint/2010/main" val="2840106176"/>
+      </p:ext>
+    </p:extLst>
+  </p:cSld>
+  <p:clrMapOvr>
+    <a:masterClrMapping/>
+  </p:clrMapOvr>
+</p:sld>
+</file>
+
 <file path=ppt/slides/slide2.xml><?xml version="1.0" encoding="utf-8"?>
 <p:sld xmlns:a="http://schemas.openxmlformats.org/drawingml/2006/main" xmlns:r="http://schemas.openxmlformats.org/officeDocument/2006/relationships" xmlns:p="http://schemas.openxmlformats.org/presentationml/2006/main">
   <p:cSld>
@@ -26193,6 +26954,117 @@
 </p:sld>
 </file>
 
+<file path=ppt/slides/slide9.xml><?xml version="1.0" encoding="utf-8"?>
+<p:sld xmlns:a="http://schemas.openxmlformats.org/drawingml/2006/main" xmlns:r="http://schemas.openxmlformats.org/officeDocument/2006/relationships" xmlns:p="http://schemas.openxmlformats.org/presentationml/2006/main">
+  <p:cSld>
+    <p:spTree>
+      <p:nvGrpSpPr>
+        <p:cNvPr id="1" name=""/>
+        <p:cNvGrpSpPr/>
+        <p:nvPr/>
+      </p:nvGrpSpPr>
+      <p:grpSpPr>
+        <a:xfrm>
+          <a:off x="0" y="0"/>
+          <a:ext cx="0" cy="0"/>
+          <a:chOff x="0" y="0"/>
+          <a:chExt cx="0" cy="0"/>
+        </a:xfrm>
+      </p:grpSpPr>
+      <p:grpSp>
+        <p:nvGrpSpPr>
+          <p:cNvPr id="8" name="그룹 7">
+            <a:extLst>
+              <a:ext uri="{FF2B5EF4-FFF2-40B4-BE49-F238E27FC236}">
+                <a16:creationId xmlns:a16="http://schemas.microsoft.com/office/drawing/2014/main" id="{049442F3-2389-AE9E-831D-8B4A37C1F74B}"/>
+              </a:ext>
+            </a:extLst>
+          </p:cNvPr>
+          <p:cNvGrpSpPr/>
+          <p:nvPr/>
+        </p:nvGrpSpPr>
+        <p:grpSpPr>
+          <a:xfrm>
+            <a:off x="169711" y="-343664"/>
+            <a:ext cx="8316486" cy="7201664"/>
+            <a:chOff x="207811" y="850428"/>
+            <a:chExt cx="8316486" cy="7201664"/>
+          </a:xfrm>
+        </p:grpSpPr>
+        <p:pic>
+          <p:nvPicPr>
+            <p:cNvPr id="5" name="그림 4">
+              <a:extLst>
+                <a:ext uri="{FF2B5EF4-FFF2-40B4-BE49-F238E27FC236}">
+                  <a16:creationId xmlns:a16="http://schemas.microsoft.com/office/drawing/2014/main" id="{366E96D2-6843-500B-B406-39CE5298634D}"/>
+                </a:ext>
+              </a:extLst>
+            </p:cNvPr>
+            <p:cNvPicPr>
+              <a:picLocks noChangeAspect="1"/>
+            </p:cNvPicPr>
+            <p:nvPr/>
+          </p:nvPicPr>
+          <p:blipFill>
+            <a:blip r:embed="rId2"/>
+            <a:stretch>
+              <a:fillRect/>
+            </a:stretch>
+          </p:blipFill>
+          <p:spPr>
+            <a:xfrm>
+              <a:off x="207811" y="850428"/>
+              <a:ext cx="8316486" cy="3686689"/>
+            </a:xfrm>
+            <a:prstGeom prst="rect">
+              <a:avLst/>
+            </a:prstGeom>
+          </p:spPr>
+        </p:pic>
+        <p:pic>
+          <p:nvPicPr>
+            <p:cNvPr id="7" name="그림 6">
+              <a:extLst>
+                <a:ext uri="{FF2B5EF4-FFF2-40B4-BE49-F238E27FC236}">
+                  <a16:creationId xmlns:a16="http://schemas.microsoft.com/office/drawing/2014/main" id="{42360E41-9AD0-1AFA-CCAB-0D9E31DEDD71}"/>
+                </a:ext>
+              </a:extLst>
+            </p:cNvPr>
+            <p:cNvPicPr>
+              <a:picLocks noChangeAspect="1"/>
+            </p:cNvPicPr>
+            <p:nvPr/>
+          </p:nvPicPr>
+          <p:blipFill>
+            <a:blip r:embed="rId3"/>
+            <a:stretch>
+              <a:fillRect/>
+            </a:stretch>
+          </p:blipFill>
+          <p:spPr>
+            <a:xfrm>
+              <a:off x="207811" y="4470192"/>
+              <a:ext cx="8316486" cy="3581900"/>
+            </a:xfrm>
+            <a:prstGeom prst="rect">
+              <a:avLst/>
+            </a:prstGeom>
+          </p:spPr>
+        </p:pic>
+      </p:grpSp>
+    </p:spTree>
+    <p:extLst>
+      <p:ext uri="{BB962C8B-B14F-4D97-AF65-F5344CB8AC3E}">
+        <p14:creationId xmlns:p14="http://schemas.microsoft.com/office/powerpoint/2010/main" val="3047233694"/>
+      </p:ext>
+    </p:extLst>
+  </p:cSld>
+  <p:clrMapOvr>
+    <a:masterClrMapping/>
+  </p:clrMapOvr>
+</p:sld>
+</file>
+
 <file path=ppt/theme/theme1.xml><?xml version="1.0" encoding="utf-8"?>
 <a:theme xmlns:a="http://schemas.openxmlformats.org/drawingml/2006/main" name="Office 테마">
   <a:themeElements>
